--- a/Presentations/Final Presentation/Presentation.pptx
+++ b/Presentations/Final Presentation/Presentation.pptx
@@ -5,7 +5,7 @@
     <p:sldMasterId id="2147483660" r:id="rId1"/>
   </p:sldMasterIdLst>
   <p:notesMasterIdLst>
-    <p:notesMasterId r:id="rId14"/>
+    <p:notesMasterId r:id="rId17"/>
   </p:notesMasterIdLst>
   <p:sldIdLst>
     <p:sldId id="338" r:id="rId2"/>
@@ -15,11 +15,14 @@
     <p:sldId id="325" r:id="rId6"/>
     <p:sldId id="323" r:id="rId7"/>
     <p:sldId id="326" r:id="rId8"/>
-    <p:sldId id="330" r:id="rId9"/>
-    <p:sldId id="342" r:id="rId10"/>
-    <p:sldId id="329" r:id="rId11"/>
-    <p:sldId id="362" r:id="rId12"/>
-    <p:sldId id="363" r:id="rId13"/>
+    <p:sldId id="366" r:id="rId9"/>
+    <p:sldId id="330" r:id="rId10"/>
+    <p:sldId id="364" r:id="rId11"/>
+    <p:sldId id="365" r:id="rId12"/>
+    <p:sldId id="342" r:id="rId13"/>
+    <p:sldId id="329" r:id="rId14"/>
+    <p:sldId id="362" r:id="rId15"/>
+    <p:sldId id="363" r:id="rId16"/>
   </p:sldIdLst>
   <p:sldSz cx="12192000" cy="6858000"/>
   <p:notesSz cx="6858000" cy="9144000"/>
@@ -118,6 +121,11 @@
       </a:defRPr>
     </a:lvl9pPr>
   </p:defaultTextStyle>
+  <p:extLst>
+    <p:ext uri="{EFAFB233-063F-42B5-8137-9DF3F51BA10A}">
+      <p15:sldGuideLst xmlns:p15="http://schemas.microsoft.com/office/powerpoint/2012/main"/>
+    </p:ext>
+  </p:extLst>
 </p:presentation>
 </file>
 
@@ -916,7 +924,7 @@
                 <a:tabLst/>
                 <a:defRPr/>
               </a:pPr>
-              <a:t>10</a:t>
+              <a:t>13</a:t>
             </a:fld>
             <a:endParaRPr kumimoji="0" lang="de-DE" sz="1200" b="0" i="0" u="none" strike="noStrike" kern="1200" cap="none" spc="0" normalizeH="0" baseline="0" noProof="0">
               <a:ln>
@@ -4917,6 +4925,2729 @@
           <a:bodyPr/>
           <a:lstStyle/>
           <a:p>
+            <a:pPr marL="0" marR="0" lvl="0" indent="0" algn="l" defTabSz="548640" rtl="0" eaLnBrk="1" fontAlgn="auto" latinLnBrk="0" hangingPunct="1">
+              <a:lnSpc>
+                <a:spcPct val="100000"/>
+              </a:lnSpc>
+              <a:spcBef>
+                <a:spcPts val="0"/>
+              </a:spcBef>
+              <a:spcAft>
+                <a:spcPts val="0"/>
+              </a:spcAft>
+              <a:buClrTx/>
+              <a:buSzTx/>
+              <a:buFontTx/>
+              <a:buNone/>
+              <a:tabLst/>
+              <a:defRPr/>
+            </a:pPr>
+            <a:fld id="{4ABD6D1D-9BE7-4B6A-B4D1-FD497C782274}" type="datetime1">
+              <a:rPr kumimoji="0" lang="de-DE" sz="1080" b="0" i="0" u="none" strike="noStrike" kern="1200" cap="none" spc="0" normalizeH="0" baseline="0" noProof="0">
+                <a:ln>
+                  <a:noFill/>
+                </a:ln>
+                <a:solidFill>
+                  <a:srgbClr val="2E4186"/>
+                </a:solidFill>
+                <a:effectLst/>
+                <a:uLnTx/>
+                <a:uFillTx/>
+                <a:latin typeface="Calibri" panose="020F0502020204030204"/>
+                <a:ea typeface="+mn-ea"/>
+                <a:cs typeface="+mn-cs"/>
+              </a:rPr>
+              <a:pPr marL="0" marR="0" lvl="0" indent="0" algn="l" defTabSz="548640" rtl="0" eaLnBrk="1" fontAlgn="auto" latinLnBrk="0" hangingPunct="1">
+                <a:lnSpc>
+                  <a:spcPct val="100000"/>
+                </a:lnSpc>
+                <a:spcBef>
+                  <a:spcPts val="0"/>
+                </a:spcBef>
+                <a:spcAft>
+                  <a:spcPts val="0"/>
+                </a:spcAft>
+                <a:buClrTx/>
+                <a:buSzTx/>
+                <a:buFontTx/>
+                <a:buNone/>
+                <a:tabLst/>
+                <a:defRPr/>
+              </a:pPr>
+              <a:t>17.07.22</a:t>
+            </a:fld>
+            <a:endParaRPr kumimoji="0" lang="de-DE" sz="1080" b="0" i="0" u="none" strike="noStrike" kern="1200" cap="none" spc="0" normalizeH="0" baseline="0" noProof="0" dirty="0">
+              <a:ln>
+                <a:noFill/>
+              </a:ln>
+              <a:solidFill>
+                <a:srgbClr val="2E4186"/>
+              </a:solidFill>
+              <a:effectLst/>
+              <a:uLnTx/>
+              <a:uFillTx/>
+              <a:latin typeface="Calibri" panose="020F0502020204030204"/>
+              <a:ea typeface="+mn-ea"/>
+              <a:cs typeface="+mn-cs"/>
+            </a:endParaRPr>
+          </a:p>
+        </p:txBody>
+      </p:sp>
+      <p:sp>
+        <p:nvSpPr>
+          <p:cNvPr id="13" name="Textfeld 12">
+            <a:extLst>
+              <a:ext uri="{FF2B5EF4-FFF2-40B4-BE49-F238E27FC236}">
+                <a16:creationId xmlns:a16="http://schemas.microsoft.com/office/drawing/2014/main" id="{88E434CB-53F2-43DE-989A-34F83773913E}"/>
+              </a:ext>
+            </a:extLst>
+          </p:cNvPr>
+          <p:cNvSpPr txBox="1"/>
+          <p:nvPr/>
+        </p:nvSpPr>
+        <p:spPr>
+          <a:xfrm>
+            <a:off x="1636108" y="355134"/>
+            <a:ext cx="8625575" cy="683264"/>
+          </a:xfrm>
+          <a:prstGeom prst="rect">
+            <a:avLst/>
+          </a:prstGeom>
+          <a:noFill/>
+        </p:spPr>
+        <p:txBody>
+          <a:bodyPr wrap="square" rtlCol="0">
+            <a:spAutoFit/>
+          </a:bodyPr>
+          <a:lstStyle/>
+          <a:p>
+            <a:pPr marL="0" marR="0" lvl="0" indent="0" algn="l" defTabSz="548640" rtl="0" eaLnBrk="1" fontAlgn="auto" latinLnBrk="0" hangingPunct="1">
+              <a:lnSpc>
+                <a:spcPct val="100000"/>
+              </a:lnSpc>
+              <a:spcBef>
+                <a:spcPts val="0"/>
+              </a:spcBef>
+              <a:spcAft>
+                <a:spcPts val="0"/>
+              </a:spcAft>
+              <a:buClrTx/>
+              <a:buSzTx/>
+              <a:buFontTx/>
+              <a:buNone/>
+              <a:tabLst/>
+              <a:defRPr/>
+            </a:pPr>
+            <a:r>
+              <a:rPr kumimoji="0" lang="de-DE" sz="3840" b="0" i="0" u="none" strike="noStrike" kern="1200" cap="none" spc="0" normalizeH="0" baseline="0" noProof="0" dirty="0">
+                <a:ln>
+                  <a:noFill/>
+                </a:ln>
+                <a:solidFill>
+                  <a:prstClr val="black"/>
+                </a:solidFill>
+                <a:effectLst/>
+                <a:uLnTx/>
+                <a:uFillTx/>
+                <a:latin typeface="Calibri Light" panose="020F0302020204030204"/>
+                <a:ea typeface="+mn-ea"/>
+                <a:cs typeface="+mn-cs"/>
+              </a:rPr>
+              <a:t>Neuronal </a:t>
+            </a:r>
+            <a:r>
+              <a:rPr lang="de-DE" sz="3840" dirty="0" err="1">
+                <a:solidFill>
+                  <a:prstClr val="black"/>
+                </a:solidFill>
+                <a:latin typeface="Calibri Light" panose="020F0302020204030204"/>
+              </a:rPr>
+              <a:t>development</a:t>
+            </a:r>
+            <a:r>
+              <a:rPr lang="de-DE" sz="3840" dirty="0">
+                <a:solidFill>
+                  <a:prstClr val="black"/>
+                </a:solidFill>
+                <a:latin typeface="Calibri Light" panose="020F0302020204030204"/>
+              </a:rPr>
+              <a:t> and </a:t>
+            </a:r>
+            <a:r>
+              <a:rPr lang="de-DE" sz="3840" dirty="0" err="1">
+                <a:solidFill>
+                  <a:prstClr val="black"/>
+                </a:solidFill>
+                <a:latin typeface="Calibri Light" panose="020F0302020204030204"/>
+              </a:rPr>
+              <a:t>function</a:t>
+            </a:r>
+            <a:endParaRPr kumimoji="0" lang="de-DE" sz="3840" b="0" i="0" u="none" strike="noStrike" kern="1200" cap="none" spc="0" normalizeH="0" baseline="0" noProof="0" dirty="0">
+              <a:ln>
+                <a:noFill/>
+              </a:ln>
+              <a:solidFill>
+                <a:prstClr val="black"/>
+              </a:solidFill>
+              <a:effectLst/>
+              <a:uLnTx/>
+              <a:uFillTx/>
+              <a:latin typeface="Calibri Light" panose="020F0302020204030204"/>
+              <a:ea typeface="+mn-ea"/>
+              <a:cs typeface="+mn-cs"/>
+            </a:endParaRPr>
+          </a:p>
+        </p:txBody>
+      </p:sp>
+      <p:cxnSp>
+        <p:nvCxnSpPr>
+          <p:cNvPr id="14" name="Gerader Verbinder 13">
+            <a:extLst>
+              <a:ext uri="{FF2B5EF4-FFF2-40B4-BE49-F238E27FC236}">
+                <a16:creationId xmlns:a16="http://schemas.microsoft.com/office/drawing/2014/main" id="{1CDE483F-007A-4AB6-9094-9439F0148193}"/>
+              </a:ext>
+            </a:extLst>
+          </p:cNvPr>
+          <p:cNvCxnSpPr>
+            <a:cxnSpLocks/>
+          </p:cNvCxnSpPr>
+          <p:nvPr/>
+        </p:nvCxnSpPr>
+        <p:spPr>
+          <a:xfrm>
+            <a:off x="1481544" y="1019285"/>
+            <a:ext cx="8225977" cy="0"/>
+          </a:xfrm>
+          <a:prstGeom prst="line">
+            <a:avLst/>
+          </a:prstGeom>
+          <a:ln>
+            <a:solidFill>
+              <a:srgbClr val="10A1EA"/>
+            </a:solidFill>
+          </a:ln>
+        </p:spPr>
+        <p:style>
+          <a:lnRef idx="1">
+            <a:schemeClr val="accent1"/>
+          </a:lnRef>
+          <a:fillRef idx="0">
+            <a:schemeClr val="accent1"/>
+          </a:fillRef>
+          <a:effectRef idx="0">
+            <a:schemeClr val="accent1"/>
+          </a:effectRef>
+          <a:fontRef idx="minor">
+            <a:schemeClr val="tx1"/>
+          </a:fontRef>
+        </p:style>
+      </p:cxnSp>
+      <p:sp>
+        <p:nvSpPr>
+          <p:cNvPr id="24" name="Rechteck 23">
+            <a:extLst>
+              <a:ext uri="{FF2B5EF4-FFF2-40B4-BE49-F238E27FC236}">
+                <a16:creationId xmlns:a16="http://schemas.microsoft.com/office/drawing/2014/main" id="{85AA2DAF-4E4E-60E3-5793-E5162487086D}"/>
+              </a:ext>
+            </a:extLst>
+          </p:cNvPr>
+          <p:cNvSpPr/>
+          <p:nvPr/>
+        </p:nvSpPr>
+        <p:spPr>
+          <a:xfrm>
+            <a:off x="792937" y="0"/>
+            <a:ext cx="488305" cy="6858000"/>
+          </a:xfrm>
+          <a:prstGeom prst="rect">
+            <a:avLst/>
+          </a:prstGeom>
+          <a:gradFill>
+            <a:gsLst>
+              <a:gs pos="5000">
+                <a:schemeClr val="bg1">
+                  <a:alpha val="91000"/>
+                </a:schemeClr>
+              </a:gs>
+              <a:gs pos="98000">
+                <a:schemeClr val="bg1"/>
+              </a:gs>
+              <a:gs pos="85000">
+                <a:srgbClr val="12D4E8"/>
+              </a:gs>
+              <a:gs pos="77000">
+                <a:srgbClr val="10A1EA"/>
+              </a:gs>
+              <a:gs pos="32000">
+                <a:srgbClr val="12D4E8"/>
+              </a:gs>
+              <a:gs pos="56000">
+                <a:srgbClr val="175CF5"/>
+              </a:gs>
+              <a:gs pos="46000">
+                <a:srgbClr val="10A1EA"/>
+              </a:gs>
+              <a:gs pos="65000">
+                <a:srgbClr val="175CF5"/>
+              </a:gs>
+            </a:gsLst>
+            <a:lin ang="5400000" scaled="1"/>
+          </a:gradFill>
+          <a:ln>
+            <a:noFill/>
+          </a:ln>
+          <a:effectLst>
+            <a:softEdge rad="38100"/>
+          </a:effectLst>
+        </p:spPr>
+        <p:style>
+          <a:lnRef idx="2">
+            <a:schemeClr val="accent1">
+              <a:shade val="50000"/>
+            </a:schemeClr>
+          </a:lnRef>
+          <a:fillRef idx="1">
+            <a:schemeClr val="accent1"/>
+          </a:fillRef>
+          <a:effectRef idx="0">
+            <a:schemeClr val="accent1"/>
+          </a:effectRef>
+          <a:fontRef idx="minor">
+            <a:schemeClr val="lt1"/>
+          </a:fontRef>
+        </p:style>
+        <p:txBody>
+          <a:bodyPr rot="0" spcFirstLastPara="0" vert="horz" wrap="square" lIns="109728" tIns="54864" rIns="109728" bIns="54864" numCol="1" spcCol="0" rtlCol="0" fromWordArt="0" anchor="ctr" anchorCtr="0" forceAA="0" compatLnSpc="1">
+            <a:prstTxWarp prst="textNoShape">
+              <a:avLst/>
+            </a:prstTxWarp>
+            <a:noAutofit/>
+          </a:bodyPr>
+          <a:lstStyle/>
+          <a:p>
+            <a:pPr marL="0" marR="0" lvl="0" indent="0" algn="l" defTabSz="548640" rtl="0" eaLnBrk="1" fontAlgn="auto" latinLnBrk="0" hangingPunct="1">
+              <a:lnSpc>
+                <a:spcPct val="100000"/>
+              </a:lnSpc>
+              <a:spcBef>
+                <a:spcPts val="0"/>
+              </a:spcBef>
+              <a:spcAft>
+                <a:spcPts val="0"/>
+              </a:spcAft>
+              <a:buClrTx/>
+              <a:buSzTx/>
+              <a:buFontTx/>
+              <a:buNone/>
+              <a:tabLst/>
+              <a:defRPr/>
+            </a:pPr>
+            <a:endParaRPr kumimoji="0" lang="de-DE" sz="2160" b="0" i="0" u="none" strike="noStrike" kern="1200" cap="none" spc="0" normalizeH="0" baseline="0" noProof="0">
+              <a:ln>
+                <a:noFill/>
+              </a:ln>
+              <a:solidFill>
+                <a:prstClr val="white"/>
+              </a:solidFill>
+              <a:effectLst/>
+              <a:uLnTx/>
+              <a:uFillTx/>
+              <a:latin typeface="Calibri" panose="020F0502020204030204"/>
+              <a:ea typeface="+mn-ea"/>
+              <a:cs typeface="+mn-cs"/>
+            </a:endParaRPr>
+          </a:p>
+        </p:txBody>
+      </p:sp>
+      <p:sp>
+        <p:nvSpPr>
+          <p:cNvPr id="2" name="Foliennummernplatzhalter 1">
+            <a:extLst>
+              <a:ext uri="{FF2B5EF4-FFF2-40B4-BE49-F238E27FC236}">
+                <a16:creationId xmlns:a16="http://schemas.microsoft.com/office/drawing/2014/main" id="{7127E193-062B-1452-70A0-30F77337207F}"/>
+              </a:ext>
+            </a:extLst>
+          </p:cNvPr>
+          <p:cNvSpPr>
+            <a:spLocks noGrp="1"/>
+          </p:cNvSpPr>
+          <p:nvPr>
+            <p:ph type="sldNum" sz="quarter" idx="12"/>
+          </p:nvPr>
+        </p:nvSpPr>
+        <p:spPr>
+          <a:xfrm>
+            <a:off x="8739300" y="6390912"/>
+            <a:ext cx="2468880" cy="365125"/>
+          </a:xfrm>
+        </p:spPr>
+        <p:txBody>
+          <a:bodyPr/>
+          <a:lstStyle/>
+          <a:p>
+            <a:pPr marL="0" marR="0" lvl="0" indent="0" algn="r" defTabSz="548640" rtl="0" eaLnBrk="1" fontAlgn="auto" latinLnBrk="0" hangingPunct="1">
+              <a:lnSpc>
+                <a:spcPct val="100000"/>
+              </a:lnSpc>
+              <a:spcBef>
+                <a:spcPts val="0"/>
+              </a:spcBef>
+              <a:spcAft>
+                <a:spcPts val="0"/>
+              </a:spcAft>
+              <a:buClrTx/>
+              <a:buSzTx/>
+              <a:buFontTx/>
+              <a:buNone/>
+              <a:tabLst/>
+              <a:defRPr/>
+            </a:pPr>
+            <a:fld id="{D3D8A29C-259F-45D5-BFFA-A48772AC905C}" type="slidenum">
+              <a:rPr kumimoji="0" lang="de-DE" sz="1080" b="0" i="0" u="none" strike="noStrike" kern="1200" cap="none" spc="0" normalizeH="0" baseline="0" noProof="0">
+                <a:ln>
+                  <a:noFill/>
+                </a:ln>
+                <a:solidFill>
+                  <a:srgbClr val="2E4186"/>
+                </a:solidFill>
+                <a:effectLst/>
+                <a:uLnTx/>
+                <a:uFillTx/>
+                <a:latin typeface="Calibri" panose="020F0502020204030204"/>
+                <a:ea typeface="+mn-ea"/>
+                <a:cs typeface="+mn-cs"/>
+              </a:rPr>
+              <a:pPr marL="0" marR="0" lvl="0" indent="0" algn="r" defTabSz="548640" rtl="0" eaLnBrk="1" fontAlgn="auto" latinLnBrk="0" hangingPunct="1">
+                <a:lnSpc>
+                  <a:spcPct val="100000"/>
+                </a:lnSpc>
+                <a:spcBef>
+                  <a:spcPts val="0"/>
+                </a:spcBef>
+                <a:spcAft>
+                  <a:spcPts val="0"/>
+                </a:spcAft>
+                <a:buClrTx/>
+                <a:buSzTx/>
+                <a:buFontTx/>
+                <a:buNone/>
+                <a:tabLst/>
+                <a:defRPr/>
+              </a:pPr>
+              <a:t>10</a:t>
+            </a:fld>
+            <a:endParaRPr kumimoji="0" lang="de-DE" sz="1080" b="0" i="0" u="none" strike="noStrike" kern="1200" cap="none" spc="0" normalizeH="0" baseline="0" noProof="0" dirty="0">
+              <a:ln>
+                <a:noFill/>
+              </a:ln>
+              <a:solidFill>
+                <a:srgbClr val="2E4186"/>
+              </a:solidFill>
+              <a:effectLst/>
+              <a:uLnTx/>
+              <a:uFillTx/>
+              <a:latin typeface="Calibri" panose="020F0502020204030204"/>
+              <a:ea typeface="+mn-ea"/>
+              <a:cs typeface="+mn-cs"/>
+            </a:endParaRPr>
+          </a:p>
+        </p:txBody>
+      </p:sp>
+      <p:cxnSp>
+        <p:nvCxnSpPr>
+          <p:cNvPr id="23" name="Gerader Verbinder 22">
+            <a:extLst>
+              <a:ext uri="{FF2B5EF4-FFF2-40B4-BE49-F238E27FC236}">
+                <a16:creationId xmlns:a16="http://schemas.microsoft.com/office/drawing/2014/main" id="{F400FDB4-FD57-FB87-F549-2AF5E6E1AE51}"/>
+              </a:ext>
+            </a:extLst>
+          </p:cNvPr>
+          <p:cNvCxnSpPr>
+            <a:cxnSpLocks/>
+          </p:cNvCxnSpPr>
+          <p:nvPr/>
+        </p:nvCxnSpPr>
+        <p:spPr>
+          <a:xfrm flipH="1">
+            <a:off x="11208180" y="5767097"/>
+            <a:ext cx="374220" cy="1090903"/>
+          </a:xfrm>
+          <a:prstGeom prst="line">
+            <a:avLst/>
+          </a:prstGeom>
+          <a:ln>
+            <a:solidFill>
+              <a:srgbClr val="10A1EA"/>
+            </a:solidFill>
+          </a:ln>
+        </p:spPr>
+        <p:style>
+          <a:lnRef idx="1">
+            <a:schemeClr val="accent1"/>
+          </a:lnRef>
+          <a:fillRef idx="0">
+            <a:schemeClr val="accent1"/>
+          </a:fillRef>
+          <a:effectRef idx="0">
+            <a:schemeClr val="accent1"/>
+          </a:effectRef>
+          <a:fontRef idx="minor">
+            <a:schemeClr val="tx1"/>
+          </a:fontRef>
+        </p:style>
+      </p:cxnSp>
+      <p:pic>
+        <p:nvPicPr>
+          <p:cNvPr id="39" name="Grafik 38">
+            <a:extLst>
+              <a:ext uri="{FF2B5EF4-FFF2-40B4-BE49-F238E27FC236}">
+                <a16:creationId xmlns:a16="http://schemas.microsoft.com/office/drawing/2014/main" id="{83A8EE2E-0954-6F9A-1734-5FCF5AFB3FA0}"/>
+              </a:ext>
+            </a:extLst>
+          </p:cNvPr>
+          <p:cNvPicPr>
+            <a:picLocks noChangeAspect="1"/>
+          </p:cNvPicPr>
+          <p:nvPr/>
+        </p:nvPicPr>
+        <p:blipFill>
+          <a:blip r:embed="rId2"/>
+          <a:stretch>
+            <a:fillRect/>
+          </a:stretch>
+        </p:blipFill>
+        <p:spPr>
+          <a:xfrm>
+            <a:off x="9783168" y="128962"/>
+            <a:ext cx="1663105" cy="1483579"/>
+          </a:xfrm>
+          <a:prstGeom prst="rect">
+            <a:avLst/>
+          </a:prstGeom>
+        </p:spPr>
+      </p:pic>
+      <p:cxnSp>
+        <p:nvCxnSpPr>
+          <p:cNvPr id="42" name="Gerader Verbinder 41">
+            <a:extLst>
+              <a:ext uri="{FF2B5EF4-FFF2-40B4-BE49-F238E27FC236}">
+                <a16:creationId xmlns:a16="http://schemas.microsoft.com/office/drawing/2014/main" id="{916F5C3D-50C3-059D-6772-1DD70D5E9604}"/>
+              </a:ext>
+            </a:extLst>
+          </p:cNvPr>
+          <p:cNvCxnSpPr>
+            <a:cxnSpLocks/>
+          </p:cNvCxnSpPr>
+          <p:nvPr/>
+        </p:nvCxnSpPr>
+        <p:spPr>
+          <a:xfrm>
+            <a:off x="1363980" y="6454616"/>
+            <a:ext cx="8897702" cy="0"/>
+          </a:xfrm>
+          <a:prstGeom prst="line">
+            <a:avLst/>
+          </a:prstGeom>
+          <a:ln>
+            <a:solidFill>
+              <a:srgbClr val="10A1EA"/>
+            </a:solidFill>
+          </a:ln>
+        </p:spPr>
+        <p:style>
+          <a:lnRef idx="1">
+            <a:schemeClr val="accent1"/>
+          </a:lnRef>
+          <a:fillRef idx="0">
+            <a:schemeClr val="accent1"/>
+          </a:fillRef>
+          <a:effectRef idx="0">
+            <a:schemeClr val="accent1"/>
+          </a:effectRef>
+          <a:fontRef idx="minor">
+            <a:schemeClr val="tx1"/>
+          </a:fontRef>
+        </p:style>
+      </p:cxnSp>
+      <p:pic>
+        <p:nvPicPr>
+          <p:cNvPr id="49" name="Grafik 48" descr="DNA Silhouette">
+            <a:extLst>
+              <a:ext uri="{FF2B5EF4-FFF2-40B4-BE49-F238E27FC236}">
+                <a16:creationId xmlns:a16="http://schemas.microsoft.com/office/drawing/2014/main" id="{6DEF5C3C-BCD8-CE26-6A1F-44421E61A3CA}"/>
+              </a:ext>
+            </a:extLst>
+          </p:cNvPr>
+          <p:cNvPicPr>
+            <a:picLocks noChangeAspect="1"/>
+          </p:cNvPicPr>
+          <p:nvPr/>
+        </p:nvPicPr>
+        <p:blipFill>
+          <a:blip r:embed="rId3">
+            <a:extLst>
+              <a:ext uri="{28A0092B-C50C-407E-A947-70E740481C1C}">
+                <a14:useLocalDpi xmlns:a14="http://schemas.microsoft.com/office/drawing/2010/main" val="0"/>
+              </a:ext>
+              <a:ext uri="{96DAC541-7B7A-43D3-8B79-37D633B846F1}">
+                <asvg:svgBlip xmlns:asvg="http://schemas.microsoft.com/office/drawing/2016/SVG/main" r:embed="rId4"/>
+              </a:ext>
+            </a:extLst>
+          </a:blip>
+          <a:stretch>
+            <a:fillRect/>
+          </a:stretch>
+        </p:blipFill>
+        <p:spPr>
+          <a:xfrm>
+            <a:off x="782083" y="1047477"/>
+            <a:ext cx="488305" cy="488305"/>
+          </a:xfrm>
+          <a:prstGeom prst="rect">
+            <a:avLst/>
+          </a:prstGeom>
+        </p:spPr>
+      </p:pic>
+      <p:pic>
+        <p:nvPicPr>
+          <p:cNvPr id="51" name="Grafik 50" descr="Balkendiagramm Silhouette">
+            <a:extLst>
+              <a:ext uri="{FF2B5EF4-FFF2-40B4-BE49-F238E27FC236}">
+                <a16:creationId xmlns:a16="http://schemas.microsoft.com/office/drawing/2014/main" id="{96C3BDE6-7984-B720-4EB5-C4480C42E2EA}"/>
+              </a:ext>
+            </a:extLst>
+          </p:cNvPr>
+          <p:cNvPicPr>
+            <a:picLocks noChangeAspect="1"/>
+          </p:cNvPicPr>
+          <p:nvPr/>
+        </p:nvPicPr>
+        <p:blipFill>
+          <a:blip r:embed="rId5">
+            <a:extLst>
+              <a:ext uri="{28A0092B-C50C-407E-A947-70E740481C1C}">
+                <a14:useLocalDpi xmlns:a14="http://schemas.microsoft.com/office/drawing/2010/main" val="0"/>
+              </a:ext>
+              <a:ext uri="{96DAC541-7B7A-43D3-8B79-37D633B846F1}">
+                <asvg:svgBlip xmlns:asvg="http://schemas.microsoft.com/office/drawing/2016/SVG/main" r:embed="rId6"/>
+              </a:ext>
+            </a:extLst>
+          </a:blip>
+          <a:stretch>
+            <a:fillRect/>
+          </a:stretch>
+        </p:blipFill>
+        <p:spPr>
+          <a:xfrm>
+            <a:off x="797065" y="2464562"/>
+            <a:ext cx="488305" cy="488305"/>
+          </a:xfrm>
+          <a:prstGeom prst="rect">
+            <a:avLst/>
+          </a:prstGeom>
+        </p:spPr>
+      </p:pic>
+      <p:pic>
+        <p:nvPicPr>
+          <p:cNvPr id="15" name="Grafik 14" descr="Puzzle mit einfarbiger Füllung">
+            <a:extLst>
+              <a:ext uri="{FF2B5EF4-FFF2-40B4-BE49-F238E27FC236}">
+                <a16:creationId xmlns:a16="http://schemas.microsoft.com/office/drawing/2014/main" id="{C5F5028C-73FB-7E95-C5E7-F20057320CD1}"/>
+              </a:ext>
+            </a:extLst>
+          </p:cNvPr>
+          <p:cNvPicPr>
+            <a:picLocks noChangeAspect="1"/>
+          </p:cNvPicPr>
+          <p:nvPr/>
+        </p:nvPicPr>
+        <p:blipFill>
+          <a:blip r:embed="rId7">
+            <a:extLst>
+              <a:ext uri="{28A0092B-C50C-407E-A947-70E740481C1C}">
+                <a14:useLocalDpi xmlns:a14="http://schemas.microsoft.com/office/drawing/2010/main" val="0"/>
+              </a:ext>
+              <a:ext uri="{96DAC541-7B7A-43D3-8B79-37D633B846F1}">
+                <asvg:svgBlip xmlns:asvg="http://schemas.microsoft.com/office/drawing/2016/SVG/main" r:embed="rId8"/>
+              </a:ext>
+            </a:extLst>
+          </a:blip>
+          <a:stretch>
+            <a:fillRect/>
+          </a:stretch>
+        </p:blipFill>
+        <p:spPr>
+          <a:xfrm>
+            <a:off x="790722" y="3881647"/>
+            <a:ext cx="488305" cy="488305"/>
+          </a:xfrm>
+          <a:prstGeom prst="rect">
+            <a:avLst/>
+          </a:prstGeom>
+        </p:spPr>
+      </p:pic>
+      <p:pic>
+        <p:nvPicPr>
+          <p:cNvPr id="4" name="Grafik 3">
+            <a:extLst>
+              <a:ext uri="{FF2B5EF4-FFF2-40B4-BE49-F238E27FC236}">
+                <a16:creationId xmlns:a16="http://schemas.microsoft.com/office/drawing/2014/main" id="{11DBC4CA-39DB-830F-06E5-4F8E60C21269}"/>
+              </a:ext>
+            </a:extLst>
+          </p:cNvPr>
+          <p:cNvPicPr>
+            <a:picLocks noChangeAspect="1"/>
+          </p:cNvPicPr>
+          <p:nvPr/>
+        </p:nvPicPr>
+        <p:blipFill>
+          <a:blip r:embed="rId9">
+            <a:extLst>
+              <a:ext uri="{96DAC541-7B7A-43D3-8B79-37D633B846F1}">
+                <asvg:svgBlip xmlns:asvg="http://schemas.microsoft.com/office/drawing/2016/SVG/main" r:embed="rId10"/>
+              </a:ext>
+            </a:extLst>
+          </a:blip>
+          <a:srcRect/>
+          <a:stretch/>
+        </p:blipFill>
+        <p:spPr>
+          <a:xfrm>
+            <a:off x="849267" y="5387093"/>
+            <a:ext cx="385774" cy="385774"/>
+          </a:xfrm>
+          <a:prstGeom prst="rect">
+            <a:avLst/>
+          </a:prstGeom>
+        </p:spPr>
+      </p:pic>
+      <p:sp>
+        <p:nvSpPr>
+          <p:cNvPr id="3" name="Textfeld 2">
+            <a:extLst>
+              <a:ext uri="{FF2B5EF4-FFF2-40B4-BE49-F238E27FC236}">
+                <a16:creationId xmlns:a16="http://schemas.microsoft.com/office/drawing/2014/main" id="{5D114A43-7124-0108-1BFF-29DB2D219E45}"/>
+              </a:ext>
+            </a:extLst>
+          </p:cNvPr>
+          <p:cNvSpPr txBox="1"/>
+          <p:nvPr/>
+        </p:nvSpPr>
+        <p:spPr>
+          <a:xfrm>
+            <a:off x="7635834" y="1623523"/>
+            <a:ext cx="1816925" cy="369332"/>
+          </a:xfrm>
+          <a:prstGeom prst="rect">
+            <a:avLst/>
+          </a:prstGeom>
+          <a:noFill/>
+        </p:spPr>
+        <p:txBody>
+          <a:bodyPr wrap="square" rtlCol="0">
+            <a:spAutoFit/>
+          </a:bodyPr>
+          <a:lstStyle/>
+          <a:p>
+            <a:r>
+              <a:rPr lang="de-DE" dirty="0"/>
+              <a:t>SYBU (</a:t>
+            </a:r>
+            <a:r>
+              <a:rPr lang="de-DE" dirty="0" err="1"/>
+              <a:t>syntabulin</a:t>
+            </a:r>
+            <a:r>
+              <a:rPr lang="de-DE" dirty="0"/>
+              <a:t>)</a:t>
+            </a:r>
+          </a:p>
+        </p:txBody>
+      </p:sp>
+      <p:sp>
+        <p:nvSpPr>
+          <p:cNvPr id="5" name="Textfeld 4">
+            <a:extLst>
+              <a:ext uri="{FF2B5EF4-FFF2-40B4-BE49-F238E27FC236}">
+                <a16:creationId xmlns:a16="http://schemas.microsoft.com/office/drawing/2014/main" id="{0C78425F-C448-7016-759D-C1C408DCDB69}"/>
+              </a:ext>
+            </a:extLst>
+          </p:cNvPr>
+          <p:cNvSpPr txBox="1"/>
+          <p:nvPr/>
+        </p:nvSpPr>
+        <p:spPr>
+          <a:xfrm>
+            <a:off x="8191117" y="2086768"/>
+            <a:ext cx="2906620" cy="646331"/>
+          </a:xfrm>
+          <a:prstGeom prst="rect">
+            <a:avLst/>
+          </a:prstGeom>
+          <a:noFill/>
+        </p:spPr>
+        <p:txBody>
+          <a:bodyPr wrap="square" rtlCol="0">
+            <a:spAutoFit/>
+          </a:bodyPr>
+          <a:lstStyle/>
+          <a:p>
+            <a:r>
+              <a:rPr lang="de-DE" dirty="0"/>
+              <a:t>SNAP91 (</a:t>
+            </a:r>
+            <a:r>
+              <a:rPr lang="de-DE" dirty="0" err="1"/>
+              <a:t>synaptosome</a:t>
+            </a:r>
+            <a:r>
+              <a:rPr lang="de-DE" dirty="0"/>
+              <a:t> </a:t>
+            </a:r>
+            <a:r>
+              <a:rPr lang="de-DE" dirty="0" err="1"/>
+              <a:t>associated</a:t>
+            </a:r>
+            <a:r>
+              <a:rPr lang="de-DE" dirty="0"/>
+              <a:t> </a:t>
+            </a:r>
+            <a:r>
+              <a:rPr lang="de-DE" dirty="0" err="1"/>
+              <a:t>protein</a:t>
+            </a:r>
+            <a:r>
+              <a:rPr lang="de-DE" dirty="0"/>
+              <a:t> 91)</a:t>
+            </a:r>
+          </a:p>
+        </p:txBody>
+      </p:sp>
+      <p:cxnSp>
+        <p:nvCxnSpPr>
+          <p:cNvPr id="6" name="Gerade Verbindung mit Pfeil 5">
+            <a:extLst>
+              <a:ext uri="{FF2B5EF4-FFF2-40B4-BE49-F238E27FC236}">
+                <a16:creationId xmlns:a16="http://schemas.microsoft.com/office/drawing/2014/main" id="{4672747D-14DF-D450-0FE9-A154105E0617}"/>
+              </a:ext>
+            </a:extLst>
+          </p:cNvPr>
+          <p:cNvCxnSpPr/>
+          <p:nvPr/>
+        </p:nvCxnSpPr>
+        <p:spPr>
+          <a:xfrm flipH="1">
+            <a:off x="9361337" y="2959332"/>
+            <a:ext cx="143443" cy="939335"/>
+          </a:xfrm>
+          <a:prstGeom prst="straightConnector1">
+            <a:avLst/>
+          </a:prstGeom>
+          <a:ln>
+            <a:solidFill>
+              <a:schemeClr val="tx1"/>
+            </a:solidFill>
+            <a:tailEnd type="triangle"/>
+          </a:ln>
+        </p:spPr>
+        <p:style>
+          <a:lnRef idx="1">
+            <a:schemeClr val="dk1"/>
+          </a:lnRef>
+          <a:fillRef idx="0">
+            <a:schemeClr val="dk1"/>
+          </a:fillRef>
+          <a:effectRef idx="0">
+            <a:schemeClr val="dk1"/>
+          </a:effectRef>
+          <a:fontRef idx="minor">
+            <a:schemeClr val="tx1"/>
+          </a:fontRef>
+        </p:style>
+      </p:cxnSp>
+      <p:sp>
+        <p:nvSpPr>
+          <p:cNvPr id="7" name="Textfeld 6">
+            <a:extLst>
+              <a:ext uri="{FF2B5EF4-FFF2-40B4-BE49-F238E27FC236}">
+                <a16:creationId xmlns:a16="http://schemas.microsoft.com/office/drawing/2014/main" id="{36D54FA5-3FA3-0781-87F6-FC40C7C8624A}"/>
+              </a:ext>
+            </a:extLst>
+          </p:cNvPr>
+          <p:cNvSpPr txBox="1"/>
+          <p:nvPr/>
+        </p:nvSpPr>
+        <p:spPr>
+          <a:xfrm>
+            <a:off x="8739300" y="4251366"/>
+            <a:ext cx="1615983" cy="369332"/>
+          </a:xfrm>
+          <a:prstGeom prst="rect">
+            <a:avLst/>
+          </a:prstGeom>
+          <a:noFill/>
+        </p:spPr>
+        <p:txBody>
+          <a:bodyPr wrap="square" rtlCol="0">
+            <a:spAutoFit/>
+          </a:bodyPr>
+          <a:lstStyle/>
+          <a:p>
+            <a:r>
+              <a:rPr lang="de-DE" dirty="0" err="1"/>
+              <a:t>Endocytosis</a:t>
+            </a:r>
+            <a:r>
+              <a:rPr lang="de-DE" dirty="0"/>
+              <a:t> </a:t>
+            </a:r>
+          </a:p>
+        </p:txBody>
+      </p:sp>
+      <p:pic>
+        <p:nvPicPr>
+          <p:cNvPr id="8" name="Grafik 7">
+            <a:extLst>
+              <a:ext uri="{FF2B5EF4-FFF2-40B4-BE49-F238E27FC236}">
+                <a16:creationId xmlns:a16="http://schemas.microsoft.com/office/drawing/2014/main" id="{0C01FA55-9861-39F8-65CC-BD29B172D907}"/>
+              </a:ext>
+            </a:extLst>
+          </p:cNvPr>
+          <p:cNvPicPr>
+            <a:picLocks noChangeAspect="1"/>
+          </p:cNvPicPr>
+          <p:nvPr/>
+        </p:nvPicPr>
+        <p:blipFill>
+          <a:blip r:embed="rId11"/>
+          <a:stretch>
+            <a:fillRect/>
+          </a:stretch>
+        </p:blipFill>
+        <p:spPr>
+          <a:xfrm>
+            <a:off x="1734427" y="1185453"/>
+            <a:ext cx="5326882" cy="5070271"/>
+          </a:xfrm>
+          <a:prstGeom prst="rect">
+            <a:avLst/>
+          </a:prstGeom>
+        </p:spPr>
+      </p:pic>
+      <p:sp>
+        <p:nvSpPr>
+          <p:cNvPr id="11" name="Textfeld 10">
+            <a:extLst>
+              <a:ext uri="{FF2B5EF4-FFF2-40B4-BE49-F238E27FC236}">
+                <a16:creationId xmlns:a16="http://schemas.microsoft.com/office/drawing/2014/main" id="{9FC182F6-62DC-BBBA-83F3-0B386CA8F52D}"/>
+              </a:ext>
+            </a:extLst>
+          </p:cNvPr>
+          <p:cNvSpPr txBox="1"/>
+          <p:nvPr/>
+        </p:nvSpPr>
+        <p:spPr>
+          <a:xfrm>
+            <a:off x="9513737" y="3581399"/>
+            <a:ext cx="184731" cy="369332"/>
+          </a:xfrm>
+          <a:prstGeom prst="rect">
+            <a:avLst/>
+          </a:prstGeom>
+          <a:noFill/>
+        </p:spPr>
+        <p:txBody>
+          <a:bodyPr wrap="none" rtlCol="0">
+            <a:spAutoFit/>
+          </a:bodyPr>
+          <a:lstStyle/>
+          <a:p>
+            <a:endParaRPr lang="de-DE" dirty="0"/>
+          </a:p>
+        </p:txBody>
+      </p:sp>
+      <p:cxnSp>
+        <p:nvCxnSpPr>
+          <p:cNvPr id="12" name="Gerade Verbindung mit Pfeil 11">
+            <a:extLst>
+              <a:ext uri="{FF2B5EF4-FFF2-40B4-BE49-F238E27FC236}">
+                <a16:creationId xmlns:a16="http://schemas.microsoft.com/office/drawing/2014/main" id="{E3FC9E66-326A-87B3-41EA-7F62F5A481CF}"/>
+              </a:ext>
+            </a:extLst>
+          </p:cNvPr>
+          <p:cNvCxnSpPr>
+            <a:cxnSpLocks/>
+          </p:cNvCxnSpPr>
+          <p:nvPr/>
+        </p:nvCxnSpPr>
+        <p:spPr>
+          <a:xfrm flipH="1">
+            <a:off x="6715399" y="1947553"/>
+            <a:ext cx="920435" cy="990168"/>
+          </a:xfrm>
+          <a:prstGeom prst="straightConnector1">
+            <a:avLst/>
+          </a:prstGeom>
+          <a:ln>
+            <a:solidFill>
+              <a:schemeClr val="tx1"/>
+            </a:solidFill>
+            <a:tailEnd type="triangle"/>
+          </a:ln>
+        </p:spPr>
+        <p:style>
+          <a:lnRef idx="1">
+            <a:schemeClr val="dk1"/>
+          </a:lnRef>
+          <a:fillRef idx="0">
+            <a:schemeClr val="dk1"/>
+          </a:fillRef>
+          <a:effectRef idx="0">
+            <a:schemeClr val="dk1"/>
+          </a:effectRef>
+          <a:fontRef idx="minor">
+            <a:schemeClr val="tx1"/>
+          </a:fontRef>
+        </p:style>
+      </p:cxnSp>
+      <p:cxnSp>
+        <p:nvCxnSpPr>
+          <p:cNvPr id="18" name="Gerade Verbindung mit Pfeil 17">
+            <a:extLst>
+              <a:ext uri="{FF2B5EF4-FFF2-40B4-BE49-F238E27FC236}">
+                <a16:creationId xmlns:a16="http://schemas.microsoft.com/office/drawing/2014/main" id="{C59B6F66-FA70-B76F-6134-C50C329AA3CD}"/>
+              </a:ext>
+            </a:extLst>
+          </p:cNvPr>
+          <p:cNvCxnSpPr>
+            <a:cxnSpLocks/>
+          </p:cNvCxnSpPr>
+          <p:nvPr/>
+        </p:nvCxnSpPr>
+        <p:spPr>
+          <a:xfrm flipH="1">
+            <a:off x="6735930" y="2447432"/>
+            <a:ext cx="1345050" cy="980578"/>
+          </a:xfrm>
+          <a:prstGeom prst="straightConnector1">
+            <a:avLst/>
+          </a:prstGeom>
+          <a:ln>
+            <a:solidFill>
+              <a:schemeClr val="tx1"/>
+            </a:solidFill>
+            <a:tailEnd type="triangle"/>
+          </a:ln>
+        </p:spPr>
+        <p:style>
+          <a:lnRef idx="1">
+            <a:schemeClr val="dk1"/>
+          </a:lnRef>
+          <a:fillRef idx="0">
+            <a:schemeClr val="dk1"/>
+          </a:fillRef>
+          <a:effectRef idx="0">
+            <a:schemeClr val="dk1"/>
+          </a:effectRef>
+          <a:fontRef idx="minor">
+            <a:schemeClr val="tx1"/>
+          </a:fontRef>
+        </p:style>
+      </p:cxnSp>
+      <p:sp>
+        <p:nvSpPr>
+          <p:cNvPr id="22" name="Textfeld 21">
+            <a:extLst>
+              <a:ext uri="{FF2B5EF4-FFF2-40B4-BE49-F238E27FC236}">
+                <a16:creationId xmlns:a16="http://schemas.microsoft.com/office/drawing/2014/main" id="{48003469-C9D8-F94A-606C-C83111246C7B}"/>
+              </a:ext>
+            </a:extLst>
+          </p:cNvPr>
+          <p:cNvSpPr txBox="1"/>
+          <p:nvPr/>
+        </p:nvSpPr>
+        <p:spPr>
+          <a:xfrm>
+            <a:off x="7635834" y="5219777"/>
+            <a:ext cx="3572346" cy="923330"/>
+          </a:xfrm>
+          <a:prstGeom prst="rect">
+            <a:avLst/>
+          </a:prstGeom>
+          <a:noFill/>
+        </p:spPr>
+        <p:txBody>
+          <a:bodyPr wrap="square" rtlCol="0">
+            <a:spAutoFit/>
+          </a:bodyPr>
+          <a:lstStyle/>
+          <a:p>
+            <a:r>
+              <a:rPr lang="de-DE" dirty="0"/>
+              <a:t>ENST00000518312 and ENST00000521485 </a:t>
+            </a:r>
+            <a:r>
+              <a:rPr lang="de-DE" dirty="0" err="1"/>
+              <a:t>have</a:t>
+            </a:r>
+            <a:r>
+              <a:rPr lang="de-DE" dirty="0"/>
+              <a:t> </a:t>
+            </a:r>
+            <a:r>
+              <a:rPr lang="de-DE" dirty="0" err="1"/>
+              <a:t>identical</a:t>
+            </a:r>
+            <a:r>
+              <a:rPr lang="de-DE" dirty="0"/>
+              <a:t> </a:t>
+            </a:r>
+            <a:r>
+              <a:rPr lang="de-DE" dirty="0" err="1"/>
+              <a:t>correlation</a:t>
+            </a:r>
+            <a:r>
+              <a:rPr lang="de-DE" dirty="0"/>
+              <a:t> </a:t>
+            </a:r>
+          </a:p>
+        </p:txBody>
+      </p:sp>
+    </p:spTree>
+    <p:extLst>
+      <p:ext uri="{BB962C8B-B14F-4D97-AF65-F5344CB8AC3E}">
+        <p14:creationId xmlns:p14="http://schemas.microsoft.com/office/powerpoint/2010/main" val="193026695"/>
+      </p:ext>
+    </p:extLst>
+  </p:cSld>
+  <p:clrMapOvr>
+    <a:masterClrMapping/>
+  </p:clrMapOvr>
+  <p:timing>
+    <p:tnLst>
+      <p:par>
+        <p:cTn id="1" dur="indefinite" restart="never" nodeType="tmRoot">
+          <p:childTnLst>
+            <p:seq concurrent="1" nextAc="seek">
+              <p:cTn id="2" dur="indefinite" nodeType="mainSeq">
+                <p:childTnLst>
+                  <p:par>
+                    <p:cTn id="3" fill="hold">
+                      <p:stCondLst>
+                        <p:cond delay="indefinite"/>
+                      </p:stCondLst>
+                      <p:childTnLst>
+                        <p:par>
+                          <p:cTn id="4" fill="hold">
+                            <p:stCondLst>
+                              <p:cond delay="0"/>
+                            </p:stCondLst>
+                            <p:childTnLst>
+                              <p:par>
+                                <p:cTn id="5" presetID="1" presetClass="entr" presetSubtype="0" fill="hold" nodeType="clickEffect">
+                                  <p:stCondLst>
+                                    <p:cond delay="0"/>
+                                  </p:stCondLst>
+                                  <p:childTnLst>
+                                    <p:set>
+                                      <p:cBhvr>
+                                        <p:cTn id="6" dur="1" fill="hold">
+                                          <p:stCondLst>
+                                            <p:cond delay="0"/>
+                                          </p:stCondLst>
+                                        </p:cTn>
+                                        <p:tgtEl>
+                                          <p:spTgt spid="8"/>
+                                        </p:tgtEl>
+                                        <p:attrNameLst>
+                                          <p:attrName>style.visibility</p:attrName>
+                                        </p:attrNameLst>
+                                      </p:cBhvr>
+                                      <p:to>
+                                        <p:strVal val="visible"/>
+                                      </p:to>
+                                    </p:set>
+                                  </p:childTnLst>
+                                </p:cTn>
+                              </p:par>
+                            </p:childTnLst>
+                          </p:cTn>
+                        </p:par>
+                      </p:childTnLst>
+                    </p:cTn>
+                  </p:par>
+                  <p:par>
+                    <p:cTn id="7" fill="hold">
+                      <p:stCondLst>
+                        <p:cond delay="indefinite"/>
+                      </p:stCondLst>
+                      <p:childTnLst>
+                        <p:par>
+                          <p:cTn id="8" fill="hold">
+                            <p:stCondLst>
+                              <p:cond delay="0"/>
+                            </p:stCondLst>
+                            <p:childTnLst>
+                              <p:par>
+                                <p:cTn id="9" presetID="1" presetClass="entr" presetSubtype="0" fill="hold" nodeType="clickEffect">
+                                  <p:stCondLst>
+                                    <p:cond delay="0"/>
+                                  </p:stCondLst>
+                                  <p:childTnLst>
+                                    <p:set>
+                                      <p:cBhvr>
+                                        <p:cTn id="10" dur="1" fill="hold">
+                                          <p:stCondLst>
+                                            <p:cond delay="0"/>
+                                          </p:stCondLst>
+                                        </p:cTn>
+                                        <p:tgtEl>
+                                          <p:spTgt spid="12"/>
+                                        </p:tgtEl>
+                                        <p:attrNameLst>
+                                          <p:attrName>style.visibility</p:attrName>
+                                        </p:attrNameLst>
+                                      </p:cBhvr>
+                                      <p:to>
+                                        <p:strVal val="visible"/>
+                                      </p:to>
+                                    </p:set>
+                                  </p:childTnLst>
+                                </p:cTn>
+                              </p:par>
+                              <p:par>
+                                <p:cTn id="11" presetID="1" presetClass="entr" presetSubtype="0" fill="hold" grpId="0" nodeType="withEffect">
+                                  <p:stCondLst>
+                                    <p:cond delay="0"/>
+                                  </p:stCondLst>
+                                  <p:childTnLst>
+                                    <p:set>
+                                      <p:cBhvr>
+                                        <p:cTn id="12" dur="1" fill="hold">
+                                          <p:stCondLst>
+                                            <p:cond delay="0"/>
+                                          </p:stCondLst>
+                                        </p:cTn>
+                                        <p:tgtEl>
+                                          <p:spTgt spid="3"/>
+                                        </p:tgtEl>
+                                        <p:attrNameLst>
+                                          <p:attrName>style.visibility</p:attrName>
+                                        </p:attrNameLst>
+                                      </p:cBhvr>
+                                      <p:to>
+                                        <p:strVal val="visible"/>
+                                      </p:to>
+                                    </p:set>
+                                  </p:childTnLst>
+                                </p:cTn>
+                              </p:par>
+                            </p:childTnLst>
+                          </p:cTn>
+                        </p:par>
+                      </p:childTnLst>
+                    </p:cTn>
+                  </p:par>
+                  <p:par>
+                    <p:cTn id="13" fill="hold">
+                      <p:stCondLst>
+                        <p:cond delay="indefinite"/>
+                      </p:stCondLst>
+                      <p:childTnLst>
+                        <p:par>
+                          <p:cTn id="14" fill="hold">
+                            <p:stCondLst>
+                              <p:cond delay="0"/>
+                            </p:stCondLst>
+                            <p:childTnLst>
+                              <p:par>
+                                <p:cTn id="15" presetID="1" presetClass="entr" presetSubtype="0" fill="hold" nodeType="clickEffect">
+                                  <p:stCondLst>
+                                    <p:cond delay="0"/>
+                                  </p:stCondLst>
+                                  <p:childTnLst>
+                                    <p:set>
+                                      <p:cBhvr>
+                                        <p:cTn id="16" dur="1" fill="hold">
+                                          <p:stCondLst>
+                                            <p:cond delay="0"/>
+                                          </p:stCondLst>
+                                        </p:cTn>
+                                        <p:tgtEl>
+                                          <p:spTgt spid="18"/>
+                                        </p:tgtEl>
+                                        <p:attrNameLst>
+                                          <p:attrName>style.visibility</p:attrName>
+                                        </p:attrNameLst>
+                                      </p:cBhvr>
+                                      <p:to>
+                                        <p:strVal val="visible"/>
+                                      </p:to>
+                                    </p:set>
+                                  </p:childTnLst>
+                                </p:cTn>
+                              </p:par>
+                              <p:par>
+                                <p:cTn id="17" presetID="1" presetClass="entr" presetSubtype="0" fill="hold" grpId="0" nodeType="withEffect">
+                                  <p:stCondLst>
+                                    <p:cond delay="0"/>
+                                  </p:stCondLst>
+                                  <p:childTnLst>
+                                    <p:set>
+                                      <p:cBhvr>
+                                        <p:cTn id="18" dur="1" fill="hold">
+                                          <p:stCondLst>
+                                            <p:cond delay="0"/>
+                                          </p:stCondLst>
+                                        </p:cTn>
+                                        <p:tgtEl>
+                                          <p:spTgt spid="5"/>
+                                        </p:tgtEl>
+                                        <p:attrNameLst>
+                                          <p:attrName>style.visibility</p:attrName>
+                                        </p:attrNameLst>
+                                      </p:cBhvr>
+                                      <p:to>
+                                        <p:strVal val="visible"/>
+                                      </p:to>
+                                    </p:set>
+                                  </p:childTnLst>
+                                </p:cTn>
+                              </p:par>
+                            </p:childTnLst>
+                          </p:cTn>
+                        </p:par>
+                      </p:childTnLst>
+                    </p:cTn>
+                  </p:par>
+                  <p:par>
+                    <p:cTn id="19" fill="hold">
+                      <p:stCondLst>
+                        <p:cond delay="indefinite"/>
+                      </p:stCondLst>
+                      <p:childTnLst>
+                        <p:par>
+                          <p:cTn id="20" fill="hold">
+                            <p:stCondLst>
+                              <p:cond delay="0"/>
+                            </p:stCondLst>
+                            <p:childTnLst>
+                              <p:par>
+                                <p:cTn id="21" presetID="1" presetClass="entr" presetSubtype="0" fill="hold" nodeType="clickEffect">
+                                  <p:stCondLst>
+                                    <p:cond delay="0"/>
+                                  </p:stCondLst>
+                                  <p:childTnLst>
+                                    <p:set>
+                                      <p:cBhvr>
+                                        <p:cTn id="22" dur="1" fill="hold">
+                                          <p:stCondLst>
+                                            <p:cond delay="0"/>
+                                          </p:stCondLst>
+                                        </p:cTn>
+                                        <p:tgtEl>
+                                          <p:spTgt spid="6"/>
+                                        </p:tgtEl>
+                                        <p:attrNameLst>
+                                          <p:attrName>style.visibility</p:attrName>
+                                        </p:attrNameLst>
+                                      </p:cBhvr>
+                                      <p:to>
+                                        <p:strVal val="visible"/>
+                                      </p:to>
+                                    </p:set>
+                                  </p:childTnLst>
+                                </p:cTn>
+                              </p:par>
+                              <p:par>
+                                <p:cTn id="23" presetID="1" presetClass="entr" presetSubtype="0" fill="hold" grpId="0" nodeType="withEffect">
+                                  <p:stCondLst>
+                                    <p:cond delay="0"/>
+                                  </p:stCondLst>
+                                  <p:childTnLst>
+                                    <p:set>
+                                      <p:cBhvr>
+                                        <p:cTn id="24" dur="1" fill="hold">
+                                          <p:stCondLst>
+                                            <p:cond delay="0"/>
+                                          </p:stCondLst>
+                                        </p:cTn>
+                                        <p:tgtEl>
+                                          <p:spTgt spid="7"/>
+                                        </p:tgtEl>
+                                        <p:attrNameLst>
+                                          <p:attrName>style.visibility</p:attrName>
+                                        </p:attrNameLst>
+                                      </p:cBhvr>
+                                      <p:to>
+                                        <p:strVal val="visible"/>
+                                      </p:to>
+                                    </p:set>
+                                  </p:childTnLst>
+                                </p:cTn>
+                              </p:par>
+                            </p:childTnLst>
+                          </p:cTn>
+                        </p:par>
+                      </p:childTnLst>
+                    </p:cTn>
+                  </p:par>
+                  <p:par>
+                    <p:cTn id="25" fill="hold">
+                      <p:stCondLst>
+                        <p:cond delay="indefinite"/>
+                      </p:stCondLst>
+                      <p:childTnLst>
+                        <p:par>
+                          <p:cTn id="26" fill="hold">
+                            <p:stCondLst>
+                              <p:cond delay="0"/>
+                            </p:stCondLst>
+                            <p:childTnLst>
+                              <p:par>
+                                <p:cTn id="27" presetID="1" presetClass="entr" presetSubtype="0" fill="hold" grpId="0" nodeType="clickEffect">
+                                  <p:stCondLst>
+                                    <p:cond delay="0"/>
+                                  </p:stCondLst>
+                                  <p:childTnLst>
+                                    <p:set>
+                                      <p:cBhvr>
+                                        <p:cTn id="28" dur="1" fill="hold">
+                                          <p:stCondLst>
+                                            <p:cond delay="0"/>
+                                          </p:stCondLst>
+                                        </p:cTn>
+                                        <p:tgtEl>
+                                          <p:spTgt spid="22"/>
+                                        </p:tgtEl>
+                                        <p:attrNameLst>
+                                          <p:attrName>style.visibility</p:attrName>
+                                        </p:attrNameLst>
+                                      </p:cBhvr>
+                                      <p:to>
+                                        <p:strVal val="visible"/>
+                                      </p:to>
+                                    </p:set>
+                                  </p:childTnLst>
+                                </p:cTn>
+                              </p:par>
+                            </p:childTnLst>
+                          </p:cTn>
+                        </p:par>
+                      </p:childTnLst>
+                    </p:cTn>
+                  </p:par>
+                </p:childTnLst>
+              </p:cTn>
+              <p:prevCondLst>
+                <p:cond evt="onPrev" delay="0">
+                  <p:tgtEl>
+                    <p:sldTgt/>
+                  </p:tgtEl>
+                </p:cond>
+              </p:prevCondLst>
+              <p:nextCondLst>
+                <p:cond evt="onNext" delay="0">
+                  <p:tgtEl>
+                    <p:sldTgt/>
+                  </p:tgtEl>
+                </p:cond>
+              </p:nextCondLst>
+            </p:seq>
+          </p:childTnLst>
+        </p:cTn>
+      </p:par>
+    </p:tnLst>
+    <p:bldLst>
+      <p:bldP spid="3" grpId="0"/>
+      <p:bldP spid="5" grpId="0"/>
+      <p:bldP spid="7" grpId="0"/>
+      <p:bldP spid="22" grpId="0"/>
+    </p:bldLst>
+  </p:timing>
+</p:sld>
+</file>
+
+<file path=ppt/slides/slide11.xml><?xml version="1.0" encoding="utf-8"?>
+<p:sld xmlns:a="http://schemas.openxmlformats.org/drawingml/2006/main" xmlns:r="http://schemas.openxmlformats.org/officeDocument/2006/relationships" xmlns:p="http://schemas.openxmlformats.org/presentationml/2006/main">
+  <p:cSld>
+    <p:bg>
+      <p:bgPr>
+        <a:gradFill flip="none" rotWithShape="1">
+          <a:gsLst>
+            <a:gs pos="28571">
+              <a:schemeClr val="accent1">
+                <a:lumMod val="5000"/>
+                <a:lumOff val="95000"/>
+                <a:alpha val="54000"/>
+              </a:schemeClr>
+            </a:gs>
+            <a:gs pos="79000">
+              <a:srgbClr val="8CD0F4">
+                <a:alpha val="50000"/>
+                <a:lumMod val="72000"/>
+                <a:lumOff val="28000"/>
+              </a:srgbClr>
+            </a:gs>
+            <a:gs pos="100000">
+              <a:srgbClr val="10A1EA">
+                <a:alpha val="26000"/>
+                <a:lumMod val="73000"/>
+                <a:lumOff val="27000"/>
+              </a:srgbClr>
+            </a:gs>
+          </a:gsLst>
+          <a:lin ang="2700000" scaled="1"/>
+          <a:tileRect/>
+        </a:gradFill>
+        <a:effectLst/>
+      </p:bgPr>
+    </p:bg>
+    <p:spTree>
+      <p:nvGrpSpPr>
+        <p:cNvPr id="1" name=""/>
+        <p:cNvGrpSpPr/>
+        <p:nvPr/>
+      </p:nvGrpSpPr>
+      <p:grpSpPr>
+        <a:xfrm>
+          <a:off x="0" y="0"/>
+          <a:ext cx="0" cy="0"/>
+          <a:chOff x="0" y="0"/>
+          <a:chExt cx="0" cy="0"/>
+        </a:xfrm>
+      </p:grpSpPr>
+      <p:sp>
+        <p:nvSpPr>
+          <p:cNvPr id="9" name="Datumsplatzhalter 8">
+            <a:extLst>
+              <a:ext uri="{FF2B5EF4-FFF2-40B4-BE49-F238E27FC236}">
+                <a16:creationId xmlns:a16="http://schemas.microsoft.com/office/drawing/2014/main" id="{B2E44AFA-B29A-4513-B164-74DF574E302B}"/>
+              </a:ext>
+            </a:extLst>
+          </p:cNvPr>
+          <p:cNvSpPr>
+            <a:spLocks noGrp="1"/>
+          </p:cNvSpPr>
+          <p:nvPr>
+            <p:ph type="dt" sz="half" idx="10"/>
+          </p:nvPr>
+        </p:nvSpPr>
+        <p:spPr>
+          <a:xfrm>
+            <a:off x="1363980" y="6428697"/>
+            <a:ext cx="2468880" cy="365125"/>
+          </a:xfrm>
+        </p:spPr>
+        <p:txBody>
+          <a:bodyPr/>
+          <a:lstStyle/>
+          <a:p>
+            <a:pPr marL="0" marR="0" lvl="0" indent="0" algn="l" defTabSz="548640" rtl="0" eaLnBrk="1" fontAlgn="auto" latinLnBrk="0" hangingPunct="1">
+              <a:lnSpc>
+                <a:spcPct val="100000"/>
+              </a:lnSpc>
+              <a:spcBef>
+                <a:spcPts val="0"/>
+              </a:spcBef>
+              <a:spcAft>
+                <a:spcPts val="0"/>
+              </a:spcAft>
+              <a:buClrTx/>
+              <a:buSzTx/>
+              <a:buFontTx/>
+              <a:buNone/>
+              <a:tabLst/>
+              <a:defRPr/>
+            </a:pPr>
+            <a:fld id="{4ABD6D1D-9BE7-4B6A-B4D1-FD497C782274}" type="datetime1">
+              <a:rPr kumimoji="0" lang="de-DE" sz="1080" b="0" i="0" u="none" strike="noStrike" kern="1200" cap="none" spc="0" normalizeH="0" baseline="0" noProof="0">
+                <a:ln>
+                  <a:noFill/>
+                </a:ln>
+                <a:solidFill>
+                  <a:srgbClr val="2E4186"/>
+                </a:solidFill>
+                <a:effectLst/>
+                <a:uLnTx/>
+                <a:uFillTx/>
+                <a:latin typeface="Calibri" panose="020F0502020204030204"/>
+                <a:ea typeface="+mn-ea"/>
+                <a:cs typeface="+mn-cs"/>
+              </a:rPr>
+              <a:pPr marL="0" marR="0" lvl="0" indent="0" algn="l" defTabSz="548640" rtl="0" eaLnBrk="1" fontAlgn="auto" latinLnBrk="0" hangingPunct="1">
+                <a:lnSpc>
+                  <a:spcPct val="100000"/>
+                </a:lnSpc>
+                <a:spcBef>
+                  <a:spcPts val="0"/>
+                </a:spcBef>
+                <a:spcAft>
+                  <a:spcPts val="0"/>
+                </a:spcAft>
+                <a:buClrTx/>
+                <a:buSzTx/>
+                <a:buFontTx/>
+                <a:buNone/>
+                <a:tabLst/>
+                <a:defRPr/>
+              </a:pPr>
+              <a:t>17.07.22</a:t>
+            </a:fld>
+            <a:endParaRPr kumimoji="0" lang="de-DE" sz="1080" b="0" i="0" u="none" strike="noStrike" kern="1200" cap="none" spc="0" normalizeH="0" baseline="0" noProof="0" dirty="0">
+              <a:ln>
+                <a:noFill/>
+              </a:ln>
+              <a:solidFill>
+                <a:srgbClr val="2E4186"/>
+              </a:solidFill>
+              <a:effectLst/>
+              <a:uLnTx/>
+              <a:uFillTx/>
+              <a:latin typeface="Calibri" panose="020F0502020204030204"/>
+              <a:ea typeface="+mn-ea"/>
+              <a:cs typeface="+mn-cs"/>
+            </a:endParaRPr>
+          </a:p>
+        </p:txBody>
+      </p:sp>
+      <p:sp>
+        <p:nvSpPr>
+          <p:cNvPr id="13" name="Textfeld 12">
+            <a:extLst>
+              <a:ext uri="{FF2B5EF4-FFF2-40B4-BE49-F238E27FC236}">
+                <a16:creationId xmlns:a16="http://schemas.microsoft.com/office/drawing/2014/main" id="{88E434CB-53F2-43DE-989A-34F83773913E}"/>
+              </a:ext>
+            </a:extLst>
+          </p:cNvPr>
+          <p:cNvSpPr txBox="1"/>
+          <p:nvPr/>
+        </p:nvSpPr>
+        <p:spPr>
+          <a:xfrm>
+            <a:off x="1636108" y="355134"/>
+            <a:ext cx="8625575" cy="683264"/>
+          </a:xfrm>
+          <a:prstGeom prst="rect">
+            <a:avLst/>
+          </a:prstGeom>
+          <a:noFill/>
+        </p:spPr>
+        <p:txBody>
+          <a:bodyPr wrap="square" rtlCol="0">
+            <a:spAutoFit/>
+          </a:bodyPr>
+          <a:lstStyle/>
+          <a:p>
+            <a:pPr marL="0" marR="0" lvl="0" indent="0" algn="l" defTabSz="548640" rtl="0" eaLnBrk="1" fontAlgn="auto" latinLnBrk="0" hangingPunct="1">
+              <a:lnSpc>
+                <a:spcPct val="100000"/>
+              </a:lnSpc>
+              <a:spcBef>
+                <a:spcPts val="0"/>
+              </a:spcBef>
+              <a:spcAft>
+                <a:spcPts val="0"/>
+              </a:spcAft>
+              <a:buClrTx/>
+              <a:buSzTx/>
+              <a:buFontTx/>
+              <a:buNone/>
+              <a:tabLst/>
+              <a:defRPr/>
+            </a:pPr>
+            <a:r>
+              <a:rPr kumimoji="0" lang="de-DE" sz="3840" b="0" i="0" u="none" strike="noStrike" kern="1200" cap="none" spc="0" normalizeH="0" baseline="0" noProof="0" dirty="0" err="1">
+                <a:ln>
+                  <a:noFill/>
+                </a:ln>
+                <a:solidFill>
+                  <a:prstClr val="black"/>
+                </a:solidFill>
+                <a:effectLst/>
+                <a:uLnTx/>
+                <a:uFillTx/>
+                <a:latin typeface="Calibri Light" panose="020F0302020204030204"/>
+                <a:ea typeface="+mn-ea"/>
+                <a:cs typeface="+mn-cs"/>
+              </a:rPr>
+              <a:t>Chemokins</a:t>
+            </a:r>
+            <a:endParaRPr kumimoji="0" lang="de-DE" sz="3840" b="0" i="0" u="none" strike="noStrike" kern="1200" cap="none" spc="0" normalizeH="0" baseline="0" noProof="0" dirty="0">
+              <a:ln>
+                <a:noFill/>
+              </a:ln>
+              <a:solidFill>
+                <a:prstClr val="black"/>
+              </a:solidFill>
+              <a:effectLst/>
+              <a:uLnTx/>
+              <a:uFillTx/>
+              <a:latin typeface="Calibri Light" panose="020F0302020204030204"/>
+              <a:ea typeface="+mn-ea"/>
+              <a:cs typeface="+mn-cs"/>
+            </a:endParaRPr>
+          </a:p>
+        </p:txBody>
+      </p:sp>
+      <p:cxnSp>
+        <p:nvCxnSpPr>
+          <p:cNvPr id="14" name="Gerader Verbinder 13">
+            <a:extLst>
+              <a:ext uri="{FF2B5EF4-FFF2-40B4-BE49-F238E27FC236}">
+                <a16:creationId xmlns:a16="http://schemas.microsoft.com/office/drawing/2014/main" id="{1CDE483F-007A-4AB6-9094-9439F0148193}"/>
+              </a:ext>
+            </a:extLst>
+          </p:cNvPr>
+          <p:cNvCxnSpPr>
+            <a:cxnSpLocks/>
+          </p:cNvCxnSpPr>
+          <p:nvPr/>
+        </p:nvCxnSpPr>
+        <p:spPr>
+          <a:xfrm>
+            <a:off x="1481544" y="1019285"/>
+            <a:ext cx="8225977" cy="0"/>
+          </a:xfrm>
+          <a:prstGeom prst="line">
+            <a:avLst/>
+          </a:prstGeom>
+          <a:ln>
+            <a:solidFill>
+              <a:srgbClr val="10A1EA"/>
+            </a:solidFill>
+          </a:ln>
+        </p:spPr>
+        <p:style>
+          <a:lnRef idx="1">
+            <a:schemeClr val="accent1"/>
+          </a:lnRef>
+          <a:fillRef idx="0">
+            <a:schemeClr val="accent1"/>
+          </a:fillRef>
+          <a:effectRef idx="0">
+            <a:schemeClr val="accent1"/>
+          </a:effectRef>
+          <a:fontRef idx="minor">
+            <a:schemeClr val="tx1"/>
+          </a:fontRef>
+        </p:style>
+      </p:cxnSp>
+      <p:sp>
+        <p:nvSpPr>
+          <p:cNvPr id="24" name="Rechteck 23">
+            <a:extLst>
+              <a:ext uri="{FF2B5EF4-FFF2-40B4-BE49-F238E27FC236}">
+                <a16:creationId xmlns:a16="http://schemas.microsoft.com/office/drawing/2014/main" id="{85AA2DAF-4E4E-60E3-5793-E5162487086D}"/>
+              </a:ext>
+            </a:extLst>
+          </p:cNvPr>
+          <p:cNvSpPr/>
+          <p:nvPr/>
+        </p:nvSpPr>
+        <p:spPr>
+          <a:xfrm>
+            <a:off x="792937" y="0"/>
+            <a:ext cx="488305" cy="6858000"/>
+          </a:xfrm>
+          <a:prstGeom prst="rect">
+            <a:avLst/>
+          </a:prstGeom>
+          <a:gradFill>
+            <a:gsLst>
+              <a:gs pos="5000">
+                <a:schemeClr val="bg1">
+                  <a:alpha val="91000"/>
+                </a:schemeClr>
+              </a:gs>
+              <a:gs pos="98000">
+                <a:schemeClr val="bg1"/>
+              </a:gs>
+              <a:gs pos="85000">
+                <a:srgbClr val="12D4E8"/>
+              </a:gs>
+              <a:gs pos="77000">
+                <a:srgbClr val="10A1EA"/>
+              </a:gs>
+              <a:gs pos="32000">
+                <a:srgbClr val="12D4E8"/>
+              </a:gs>
+              <a:gs pos="56000">
+                <a:srgbClr val="175CF5"/>
+              </a:gs>
+              <a:gs pos="46000">
+                <a:srgbClr val="10A1EA"/>
+              </a:gs>
+              <a:gs pos="65000">
+                <a:srgbClr val="175CF5"/>
+              </a:gs>
+            </a:gsLst>
+            <a:lin ang="5400000" scaled="1"/>
+          </a:gradFill>
+          <a:ln>
+            <a:noFill/>
+          </a:ln>
+          <a:effectLst>
+            <a:softEdge rad="38100"/>
+          </a:effectLst>
+        </p:spPr>
+        <p:style>
+          <a:lnRef idx="2">
+            <a:schemeClr val="accent1">
+              <a:shade val="50000"/>
+            </a:schemeClr>
+          </a:lnRef>
+          <a:fillRef idx="1">
+            <a:schemeClr val="accent1"/>
+          </a:fillRef>
+          <a:effectRef idx="0">
+            <a:schemeClr val="accent1"/>
+          </a:effectRef>
+          <a:fontRef idx="minor">
+            <a:schemeClr val="lt1"/>
+          </a:fontRef>
+        </p:style>
+        <p:txBody>
+          <a:bodyPr rot="0" spcFirstLastPara="0" vert="horz" wrap="square" lIns="109728" tIns="54864" rIns="109728" bIns="54864" numCol="1" spcCol="0" rtlCol="0" fromWordArt="0" anchor="ctr" anchorCtr="0" forceAA="0" compatLnSpc="1">
+            <a:prstTxWarp prst="textNoShape">
+              <a:avLst/>
+            </a:prstTxWarp>
+            <a:noAutofit/>
+          </a:bodyPr>
+          <a:lstStyle/>
+          <a:p>
+            <a:pPr marL="0" marR="0" lvl="0" indent="0" algn="l" defTabSz="548640" rtl="0" eaLnBrk="1" fontAlgn="auto" latinLnBrk="0" hangingPunct="1">
+              <a:lnSpc>
+                <a:spcPct val="100000"/>
+              </a:lnSpc>
+              <a:spcBef>
+                <a:spcPts val="0"/>
+              </a:spcBef>
+              <a:spcAft>
+                <a:spcPts val="0"/>
+              </a:spcAft>
+              <a:buClrTx/>
+              <a:buSzTx/>
+              <a:buFontTx/>
+              <a:buNone/>
+              <a:tabLst/>
+              <a:defRPr/>
+            </a:pPr>
+            <a:endParaRPr kumimoji="0" lang="de-DE" sz="2160" b="0" i="0" u="none" strike="noStrike" kern="1200" cap="none" spc="0" normalizeH="0" baseline="0" noProof="0">
+              <a:ln>
+                <a:noFill/>
+              </a:ln>
+              <a:solidFill>
+                <a:prstClr val="white"/>
+              </a:solidFill>
+              <a:effectLst/>
+              <a:uLnTx/>
+              <a:uFillTx/>
+              <a:latin typeface="Calibri" panose="020F0502020204030204"/>
+              <a:ea typeface="+mn-ea"/>
+              <a:cs typeface="+mn-cs"/>
+            </a:endParaRPr>
+          </a:p>
+        </p:txBody>
+      </p:sp>
+      <p:sp>
+        <p:nvSpPr>
+          <p:cNvPr id="2" name="Foliennummernplatzhalter 1">
+            <a:extLst>
+              <a:ext uri="{FF2B5EF4-FFF2-40B4-BE49-F238E27FC236}">
+                <a16:creationId xmlns:a16="http://schemas.microsoft.com/office/drawing/2014/main" id="{7127E193-062B-1452-70A0-30F77337207F}"/>
+              </a:ext>
+            </a:extLst>
+          </p:cNvPr>
+          <p:cNvSpPr>
+            <a:spLocks noGrp="1"/>
+          </p:cNvSpPr>
+          <p:nvPr>
+            <p:ph type="sldNum" sz="quarter" idx="12"/>
+          </p:nvPr>
+        </p:nvSpPr>
+        <p:spPr>
+          <a:xfrm>
+            <a:off x="8739300" y="6390912"/>
+            <a:ext cx="2468880" cy="365125"/>
+          </a:xfrm>
+        </p:spPr>
+        <p:txBody>
+          <a:bodyPr/>
+          <a:lstStyle/>
+          <a:p>
+            <a:pPr marL="0" marR="0" lvl="0" indent="0" algn="r" defTabSz="548640" rtl="0" eaLnBrk="1" fontAlgn="auto" latinLnBrk="0" hangingPunct="1">
+              <a:lnSpc>
+                <a:spcPct val="100000"/>
+              </a:lnSpc>
+              <a:spcBef>
+                <a:spcPts val="0"/>
+              </a:spcBef>
+              <a:spcAft>
+                <a:spcPts val="0"/>
+              </a:spcAft>
+              <a:buClrTx/>
+              <a:buSzTx/>
+              <a:buFontTx/>
+              <a:buNone/>
+              <a:tabLst/>
+              <a:defRPr/>
+            </a:pPr>
+            <a:fld id="{D3D8A29C-259F-45D5-BFFA-A48772AC905C}" type="slidenum">
+              <a:rPr kumimoji="0" lang="de-DE" sz="1080" b="0" i="0" u="none" strike="noStrike" kern="1200" cap="none" spc="0" normalizeH="0" baseline="0" noProof="0">
+                <a:ln>
+                  <a:noFill/>
+                </a:ln>
+                <a:solidFill>
+                  <a:srgbClr val="2E4186"/>
+                </a:solidFill>
+                <a:effectLst/>
+                <a:uLnTx/>
+                <a:uFillTx/>
+                <a:latin typeface="Calibri" panose="020F0502020204030204"/>
+                <a:ea typeface="+mn-ea"/>
+                <a:cs typeface="+mn-cs"/>
+              </a:rPr>
+              <a:pPr marL="0" marR="0" lvl="0" indent="0" algn="r" defTabSz="548640" rtl="0" eaLnBrk="1" fontAlgn="auto" latinLnBrk="0" hangingPunct="1">
+                <a:lnSpc>
+                  <a:spcPct val="100000"/>
+                </a:lnSpc>
+                <a:spcBef>
+                  <a:spcPts val="0"/>
+                </a:spcBef>
+                <a:spcAft>
+                  <a:spcPts val="0"/>
+                </a:spcAft>
+                <a:buClrTx/>
+                <a:buSzTx/>
+                <a:buFontTx/>
+                <a:buNone/>
+                <a:tabLst/>
+                <a:defRPr/>
+              </a:pPr>
+              <a:t>11</a:t>
+            </a:fld>
+            <a:endParaRPr kumimoji="0" lang="de-DE" sz="1080" b="0" i="0" u="none" strike="noStrike" kern="1200" cap="none" spc="0" normalizeH="0" baseline="0" noProof="0" dirty="0">
+              <a:ln>
+                <a:noFill/>
+              </a:ln>
+              <a:solidFill>
+                <a:srgbClr val="2E4186"/>
+              </a:solidFill>
+              <a:effectLst/>
+              <a:uLnTx/>
+              <a:uFillTx/>
+              <a:latin typeface="Calibri" panose="020F0502020204030204"/>
+              <a:ea typeface="+mn-ea"/>
+              <a:cs typeface="+mn-cs"/>
+            </a:endParaRPr>
+          </a:p>
+        </p:txBody>
+      </p:sp>
+      <p:cxnSp>
+        <p:nvCxnSpPr>
+          <p:cNvPr id="23" name="Gerader Verbinder 22">
+            <a:extLst>
+              <a:ext uri="{FF2B5EF4-FFF2-40B4-BE49-F238E27FC236}">
+                <a16:creationId xmlns:a16="http://schemas.microsoft.com/office/drawing/2014/main" id="{F400FDB4-FD57-FB87-F549-2AF5E6E1AE51}"/>
+              </a:ext>
+            </a:extLst>
+          </p:cNvPr>
+          <p:cNvCxnSpPr>
+            <a:cxnSpLocks/>
+          </p:cNvCxnSpPr>
+          <p:nvPr/>
+        </p:nvCxnSpPr>
+        <p:spPr>
+          <a:xfrm flipH="1">
+            <a:off x="11208180" y="5767097"/>
+            <a:ext cx="374220" cy="1090903"/>
+          </a:xfrm>
+          <a:prstGeom prst="line">
+            <a:avLst/>
+          </a:prstGeom>
+          <a:ln>
+            <a:solidFill>
+              <a:srgbClr val="10A1EA"/>
+            </a:solidFill>
+          </a:ln>
+        </p:spPr>
+        <p:style>
+          <a:lnRef idx="1">
+            <a:schemeClr val="accent1"/>
+          </a:lnRef>
+          <a:fillRef idx="0">
+            <a:schemeClr val="accent1"/>
+          </a:fillRef>
+          <a:effectRef idx="0">
+            <a:schemeClr val="accent1"/>
+          </a:effectRef>
+          <a:fontRef idx="minor">
+            <a:schemeClr val="tx1"/>
+          </a:fontRef>
+        </p:style>
+      </p:cxnSp>
+      <p:pic>
+        <p:nvPicPr>
+          <p:cNvPr id="39" name="Grafik 38">
+            <a:extLst>
+              <a:ext uri="{FF2B5EF4-FFF2-40B4-BE49-F238E27FC236}">
+                <a16:creationId xmlns:a16="http://schemas.microsoft.com/office/drawing/2014/main" id="{83A8EE2E-0954-6F9A-1734-5FCF5AFB3FA0}"/>
+              </a:ext>
+            </a:extLst>
+          </p:cNvPr>
+          <p:cNvPicPr>
+            <a:picLocks noChangeAspect="1"/>
+          </p:cNvPicPr>
+          <p:nvPr/>
+        </p:nvPicPr>
+        <p:blipFill>
+          <a:blip r:embed="rId2"/>
+          <a:stretch>
+            <a:fillRect/>
+          </a:stretch>
+        </p:blipFill>
+        <p:spPr>
+          <a:xfrm>
+            <a:off x="9783168" y="128962"/>
+            <a:ext cx="1663105" cy="1483579"/>
+          </a:xfrm>
+          <a:prstGeom prst="rect">
+            <a:avLst/>
+          </a:prstGeom>
+        </p:spPr>
+      </p:pic>
+      <p:cxnSp>
+        <p:nvCxnSpPr>
+          <p:cNvPr id="42" name="Gerader Verbinder 41">
+            <a:extLst>
+              <a:ext uri="{FF2B5EF4-FFF2-40B4-BE49-F238E27FC236}">
+                <a16:creationId xmlns:a16="http://schemas.microsoft.com/office/drawing/2014/main" id="{916F5C3D-50C3-059D-6772-1DD70D5E9604}"/>
+              </a:ext>
+            </a:extLst>
+          </p:cNvPr>
+          <p:cNvCxnSpPr>
+            <a:cxnSpLocks/>
+          </p:cNvCxnSpPr>
+          <p:nvPr/>
+        </p:nvCxnSpPr>
+        <p:spPr>
+          <a:xfrm>
+            <a:off x="1363980" y="6454616"/>
+            <a:ext cx="8897702" cy="0"/>
+          </a:xfrm>
+          <a:prstGeom prst="line">
+            <a:avLst/>
+          </a:prstGeom>
+          <a:ln>
+            <a:solidFill>
+              <a:srgbClr val="10A1EA"/>
+            </a:solidFill>
+          </a:ln>
+        </p:spPr>
+        <p:style>
+          <a:lnRef idx="1">
+            <a:schemeClr val="accent1"/>
+          </a:lnRef>
+          <a:fillRef idx="0">
+            <a:schemeClr val="accent1"/>
+          </a:fillRef>
+          <a:effectRef idx="0">
+            <a:schemeClr val="accent1"/>
+          </a:effectRef>
+          <a:fontRef idx="minor">
+            <a:schemeClr val="tx1"/>
+          </a:fontRef>
+        </p:style>
+      </p:cxnSp>
+      <p:pic>
+        <p:nvPicPr>
+          <p:cNvPr id="49" name="Grafik 48" descr="DNA Silhouette">
+            <a:extLst>
+              <a:ext uri="{FF2B5EF4-FFF2-40B4-BE49-F238E27FC236}">
+                <a16:creationId xmlns:a16="http://schemas.microsoft.com/office/drawing/2014/main" id="{6DEF5C3C-BCD8-CE26-6A1F-44421E61A3CA}"/>
+              </a:ext>
+            </a:extLst>
+          </p:cNvPr>
+          <p:cNvPicPr>
+            <a:picLocks noChangeAspect="1"/>
+          </p:cNvPicPr>
+          <p:nvPr/>
+        </p:nvPicPr>
+        <p:blipFill>
+          <a:blip r:embed="rId3">
+            <a:extLst>
+              <a:ext uri="{28A0092B-C50C-407E-A947-70E740481C1C}">
+                <a14:useLocalDpi xmlns:a14="http://schemas.microsoft.com/office/drawing/2010/main" val="0"/>
+              </a:ext>
+              <a:ext uri="{96DAC541-7B7A-43D3-8B79-37D633B846F1}">
+                <asvg:svgBlip xmlns:asvg="http://schemas.microsoft.com/office/drawing/2016/SVG/main" r:embed="rId4"/>
+              </a:ext>
+            </a:extLst>
+          </a:blip>
+          <a:stretch>
+            <a:fillRect/>
+          </a:stretch>
+        </p:blipFill>
+        <p:spPr>
+          <a:xfrm>
+            <a:off x="782083" y="1047477"/>
+            <a:ext cx="488305" cy="488305"/>
+          </a:xfrm>
+          <a:prstGeom prst="rect">
+            <a:avLst/>
+          </a:prstGeom>
+        </p:spPr>
+      </p:pic>
+      <p:pic>
+        <p:nvPicPr>
+          <p:cNvPr id="51" name="Grafik 50" descr="Balkendiagramm Silhouette">
+            <a:extLst>
+              <a:ext uri="{FF2B5EF4-FFF2-40B4-BE49-F238E27FC236}">
+                <a16:creationId xmlns:a16="http://schemas.microsoft.com/office/drawing/2014/main" id="{96C3BDE6-7984-B720-4EB5-C4480C42E2EA}"/>
+              </a:ext>
+            </a:extLst>
+          </p:cNvPr>
+          <p:cNvPicPr>
+            <a:picLocks noChangeAspect="1"/>
+          </p:cNvPicPr>
+          <p:nvPr/>
+        </p:nvPicPr>
+        <p:blipFill>
+          <a:blip r:embed="rId5">
+            <a:extLst>
+              <a:ext uri="{28A0092B-C50C-407E-A947-70E740481C1C}">
+                <a14:useLocalDpi xmlns:a14="http://schemas.microsoft.com/office/drawing/2010/main" val="0"/>
+              </a:ext>
+              <a:ext uri="{96DAC541-7B7A-43D3-8B79-37D633B846F1}">
+                <asvg:svgBlip xmlns:asvg="http://schemas.microsoft.com/office/drawing/2016/SVG/main" r:embed="rId6"/>
+              </a:ext>
+            </a:extLst>
+          </a:blip>
+          <a:stretch>
+            <a:fillRect/>
+          </a:stretch>
+        </p:blipFill>
+        <p:spPr>
+          <a:xfrm>
+            <a:off x="797065" y="2464562"/>
+            <a:ext cx="488305" cy="488305"/>
+          </a:xfrm>
+          <a:prstGeom prst="rect">
+            <a:avLst/>
+          </a:prstGeom>
+        </p:spPr>
+      </p:pic>
+      <p:pic>
+        <p:nvPicPr>
+          <p:cNvPr id="15" name="Grafik 14" descr="Puzzle mit einfarbiger Füllung">
+            <a:extLst>
+              <a:ext uri="{FF2B5EF4-FFF2-40B4-BE49-F238E27FC236}">
+                <a16:creationId xmlns:a16="http://schemas.microsoft.com/office/drawing/2014/main" id="{C5F5028C-73FB-7E95-C5E7-F20057320CD1}"/>
+              </a:ext>
+            </a:extLst>
+          </p:cNvPr>
+          <p:cNvPicPr>
+            <a:picLocks noChangeAspect="1"/>
+          </p:cNvPicPr>
+          <p:nvPr/>
+        </p:nvPicPr>
+        <p:blipFill>
+          <a:blip r:embed="rId7">
+            <a:extLst>
+              <a:ext uri="{28A0092B-C50C-407E-A947-70E740481C1C}">
+                <a14:useLocalDpi xmlns:a14="http://schemas.microsoft.com/office/drawing/2010/main" val="0"/>
+              </a:ext>
+              <a:ext uri="{96DAC541-7B7A-43D3-8B79-37D633B846F1}">
+                <asvg:svgBlip xmlns:asvg="http://schemas.microsoft.com/office/drawing/2016/SVG/main" r:embed="rId8"/>
+              </a:ext>
+            </a:extLst>
+          </a:blip>
+          <a:stretch>
+            <a:fillRect/>
+          </a:stretch>
+        </p:blipFill>
+        <p:spPr>
+          <a:xfrm>
+            <a:off x="790722" y="3881647"/>
+            <a:ext cx="488305" cy="488305"/>
+          </a:xfrm>
+          <a:prstGeom prst="rect">
+            <a:avLst/>
+          </a:prstGeom>
+        </p:spPr>
+      </p:pic>
+      <p:pic>
+        <p:nvPicPr>
+          <p:cNvPr id="4" name="Grafik 3">
+            <a:extLst>
+              <a:ext uri="{FF2B5EF4-FFF2-40B4-BE49-F238E27FC236}">
+                <a16:creationId xmlns:a16="http://schemas.microsoft.com/office/drawing/2014/main" id="{11DBC4CA-39DB-830F-06E5-4F8E60C21269}"/>
+              </a:ext>
+            </a:extLst>
+          </p:cNvPr>
+          <p:cNvPicPr>
+            <a:picLocks noChangeAspect="1"/>
+          </p:cNvPicPr>
+          <p:nvPr/>
+        </p:nvPicPr>
+        <p:blipFill>
+          <a:blip r:embed="rId9">
+            <a:extLst>
+              <a:ext uri="{96DAC541-7B7A-43D3-8B79-37D633B846F1}">
+                <asvg:svgBlip xmlns:asvg="http://schemas.microsoft.com/office/drawing/2016/SVG/main" r:embed="rId10"/>
+              </a:ext>
+            </a:extLst>
+          </a:blip>
+          <a:srcRect/>
+          <a:stretch/>
+        </p:blipFill>
+        <p:spPr>
+          <a:xfrm>
+            <a:off x="849267" y="5387093"/>
+            <a:ext cx="385774" cy="385774"/>
+          </a:xfrm>
+          <a:prstGeom prst="rect">
+            <a:avLst/>
+          </a:prstGeom>
+        </p:spPr>
+      </p:pic>
+      <p:sp>
+        <p:nvSpPr>
+          <p:cNvPr id="3" name="Textfeld 2">
+            <a:extLst>
+              <a:ext uri="{FF2B5EF4-FFF2-40B4-BE49-F238E27FC236}">
+                <a16:creationId xmlns:a16="http://schemas.microsoft.com/office/drawing/2014/main" id="{5D114A43-7124-0108-1BFF-29DB2D219E45}"/>
+              </a:ext>
+            </a:extLst>
+          </p:cNvPr>
+          <p:cNvSpPr txBox="1"/>
+          <p:nvPr/>
+        </p:nvSpPr>
+        <p:spPr>
+          <a:xfrm>
+            <a:off x="3954483" y="2137558"/>
+            <a:ext cx="4334494" cy="1291442"/>
+          </a:xfrm>
+          <a:prstGeom prst="rect">
+            <a:avLst/>
+          </a:prstGeom>
+          <a:noFill/>
+        </p:spPr>
+        <p:txBody>
+          <a:bodyPr wrap="square" rtlCol="0">
+            <a:spAutoFit/>
+          </a:bodyPr>
+          <a:lstStyle/>
+          <a:p>
+            <a:pPr marL="0" marR="0" lvl="0" indent="0" algn="l" defTabSz="914400" rtl="0" eaLnBrk="1" fontAlgn="auto" latinLnBrk="0" hangingPunct="1">
+              <a:lnSpc>
+                <a:spcPct val="100000"/>
+              </a:lnSpc>
+              <a:spcBef>
+                <a:spcPts val="0"/>
+              </a:spcBef>
+              <a:spcAft>
+                <a:spcPts val="0"/>
+              </a:spcAft>
+              <a:buClrTx/>
+              <a:buSzTx/>
+              <a:buFontTx/>
+              <a:buNone/>
+              <a:tabLst/>
+              <a:defRPr/>
+            </a:pPr>
+            <a:endParaRPr kumimoji="0" lang="de-DE" sz="1800" b="0" i="0" u="none" strike="noStrike" kern="1200" cap="none" spc="0" normalizeH="0" baseline="0" noProof="0" dirty="0">
+              <a:ln>
+                <a:noFill/>
+              </a:ln>
+              <a:solidFill>
+                <a:prstClr val="black"/>
+              </a:solidFill>
+              <a:effectLst/>
+              <a:uLnTx/>
+              <a:uFillTx/>
+              <a:latin typeface="Calibri" panose="020F0502020204030204"/>
+              <a:ea typeface="+mn-ea"/>
+              <a:cs typeface="+mn-cs"/>
+            </a:endParaRPr>
+          </a:p>
+        </p:txBody>
+      </p:sp>
+      <p:pic>
+        <p:nvPicPr>
+          <p:cNvPr id="6" name="Grafik 5">
+            <a:extLst>
+              <a:ext uri="{FF2B5EF4-FFF2-40B4-BE49-F238E27FC236}">
+                <a16:creationId xmlns:a16="http://schemas.microsoft.com/office/drawing/2014/main" id="{1BD80480-717D-7266-549D-AD3352044556}"/>
+              </a:ext>
+            </a:extLst>
+          </p:cNvPr>
+          <p:cNvPicPr>
+            <a:picLocks noChangeAspect="1"/>
+          </p:cNvPicPr>
+          <p:nvPr/>
+        </p:nvPicPr>
+        <p:blipFill>
+          <a:blip r:embed="rId11"/>
+          <a:stretch>
+            <a:fillRect/>
+          </a:stretch>
+        </p:blipFill>
+        <p:spPr>
+          <a:xfrm>
+            <a:off x="1655123" y="1145126"/>
+            <a:ext cx="5545745" cy="5139057"/>
+          </a:xfrm>
+          <a:prstGeom prst="rect">
+            <a:avLst/>
+          </a:prstGeom>
+        </p:spPr>
+      </p:pic>
+      <p:sp>
+        <p:nvSpPr>
+          <p:cNvPr id="7" name="Textfeld 6">
+            <a:extLst>
+              <a:ext uri="{FF2B5EF4-FFF2-40B4-BE49-F238E27FC236}">
+                <a16:creationId xmlns:a16="http://schemas.microsoft.com/office/drawing/2014/main" id="{9A296B0D-0486-8063-A860-A9F74B5A3122}"/>
+              </a:ext>
+            </a:extLst>
+          </p:cNvPr>
+          <p:cNvSpPr txBox="1"/>
+          <p:nvPr/>
+        </p:nvSpPr>
+        <p:spPr>
+          <a:xfrm>
+            <a:off x="7815365" y="1836138"/>
+            <a:ext cx="2446317" cy="646331"/>
+          </a:xfrm>
+          <a:prstGeom prst="rect">
+            <a:avLst/>
+          </a:prstGeom>
+          <a:noFill/>
+        </p:spPr>
+        <p:txBody>
+          <a:bodyPr wrap="square" rtlCol="0">
+            <a:spAutoFit/>
+          </a:bodyPr>
+          <a:lstStyle/>
+          <a:p>
+            <a:r>
+              <a:rPr lang="de-DE" dirty="0"/>
+              <a:t>CXCL14 (C-X-C </a:t>
+            </a:r>
+            <a:r>
+              <a:rPr lang="de-DE" dirty="0" err="1"/>
+              <a:t>motif</a:t>
+            </a:r>
+            <a:r>
+              <a:rPr lang="de-DE" dirty="0"/>
+              <a:t> </a:t>
+            </a:r>
+            <a:r>
+              <a:rPr lang="de-DE" dirty="0" err="1"/>
+              <a:t>chemokine</a:t>
+            </a:r>
+            <a:r>
+              <a:rPr lang="de-DE" dirty="0"/>
+              <a:t> </a:t>
+            </a:r>
+            <a:r>
+              <a:rPr lang="de-DE" dirty="0" err="1"/>
+              <a:t>ligand</a:t>
+            </a:r>
+            <a:r>
+              <a:rPr lang="de-DE" dirty="0"/>
+              <a:t> 14)</a:t>
+            </a:r>
+          </a:p>
+        </p:txBody>
+      </p:sp>
+      <p:cxnSp>
+        <p:nvCxnSpPr>
+          <p:cNvPr id="8" name="Gerade Verbindung mit Pfeil 7">
+            <a:extLst>
+              <a:ext uri="{FF2B5EF4-FFF2-40B4-BE49-F238E27FC236}">
+                <a16:creationId xmlns:a16="http://schemas.microsoft.com/office/drawing/2014/main" id="{AA061F43-1AB9-C73E-1B53-8105CCB7FEE2}"/>
+              </a:ext>
+            </a:extLst>
+          </p:cNvPr>
+          <p:cNvCxnSpPr/>
+          <p:nvPr/>
+        </p:nvCxnSpPr>
+        <p:spPr>
+          <a:xfrm flipH="1">
+            <a:off x="8895080" y="2535692"/>
+            <a:ext cx="143443" cy="939335"/>
+          </a:xfrm>
+          <a:prstGeom prst="straightConnector1">
+            <a:avLst/>
+          </a:prstGeom>
+          <a:ln>
+            <a:solidFill>
+              <a:schemeClr val="tx1"/>
+            </a:solidFill>
+            <a:tailEnd type="triangle"/>
+          </a:ln>
+        </p:spPr>
+        <p:style>
+          <a:lnRef idx="1">
+            <a:schemeClr val="dk1"/>
+          </a:lnRef>
+          <a:fillRef idx="0">
+            <a:schemeClr val="dk1"/>
+          </a:fillRef>
+          <a:effectRef idx="0">
+            <a:schemeClr val="dk1"/>
+          </a:effectRef>
+          <a:fontRef idx="minor">
+            <a:schemeClr val="tx1"/>
+          </a:fontRef>
+        </p:style>
+      </p:cxnSp>
+      <p:sp>
+        <p:nvSpPr>
+          <p:cNvPr id="10" name="Textfeld 9">
+            <a:extLst>
+              <a:ext uri="{FF2B5EF4-FFF2-40B4-BE49-F238E27FC236}">
+                <a16:creationId xmlns:a16="http://schemas.microsoft.com/office/drawing/2014/main" id="{22461DCE-D3F6-535F-E996-6E26780C03FE}"/>
+              </a:ext>
+            </a:extLst>
+          </p:cNvPr>
+          <p:cNvSpPr txBox="1"/>
+          <p:nvPr/>
+        </p:nvSpPr>
+        <p:spPr>
+          <a:xfrm>
+            <a:off x="7798699" y="3574144"/>
+            <a:ext cx="2695699" cy="671832"/>
+          </a:xfrm>
+          <a:prstGeom prst="rect">
+            <a:avLst/>
+          </a:prstGeom>
+          <a:noFill/>
+        </p:spPr>
+        <p:txBody>
+          <a:bodyPr wrap="square" rtlCol="0">
+            <a:spAutoFit/>
+          </a:bodyPr>
+          <a:lstStyle/>
+          <a:p>
+            <a:r>
+              <a:rPr lang="de-DE" dirty="0"/>
+              <a:t>neuronal </a:t>
+            </a:r>
+            <a:r>
+              <a:rPr lang="de-DE" dirty="0" err="1"/>
+              <a:t>migration</a:t>
+            </a:r>
+            <a:r>
+              <a:rPr lang="de-DE" dirty="0"/>
+              <a:t> </a:t>
+            </a:r>
+            <a:r>
+              <a:rPr lang="de-DE" dirty="0" err="1"/>
+              <a:t>starting</a:t>
+            </a:r>
+            <a:r>
+              <a:rPr lang="de-DE" dirty="0"/>
+              <a:t> </a:t>
+            </a:r>
+            <a:r>
+              <a:rPr lang="de-DE" dirty="0" err="1"/>
+              <a:t>week</a:t>
+            </a:r>
+            <a:r>
+              <a:rPr lang="de-DE" dirty="0"/>
+              <a:t> 9</a:t>
+            </a:r>
+          </a:p>
+        </p:txBody>
+      </p:sp>
+    </p:spTree>
+    <p:extLst>
+      <p:ext uri="{BB962C8B-B14F-4D97-AF65-F5344CB8AC3E}">
+        <p14:creationId xmlns:p14="http://schemas.microsoft.com/office/powerpoint/2010/main" val="2047974774"/>
+      </p:ext>
+    </p:extLst>
+  </p:cSld>
+  <p:clrMapOvr>
+    <a:masterClrMapping/>
+  </p:clrMapOvr>
+  <p:timing>
+    <p:tnLst>
+      <p:par>
+        <p:cTn id="1" dur="indefinite" restart="never" nodeType="tmRoot">
+          <p:childTnLst>
+            <p:seq concurrent="1" nextAc="seek">
+              <p:cTn id="2" dur="indefinite" nodeType="mainSeq">
+                <p:childTnLst>
+                  <p:par>
+                    <p:cTn id="3" fill="hold">
+                      <p:stCondLst>
+                        <p:cond delay="indefinite"/>
+                      </p:stCondLst>
+                      <p:childTnLst>
+                        <p:par>
+                          <p:cTn id="4" fill="hold">
+                            <p:stCondLst>
+                              <p:cond delay="0"/>
+                            </p:stCondLst>
+                            <p:childTnLst>
+                              <p:par>
+                                <p:cTn id="5" presetID="1" presetClass="entr" presetSubtype="0" fill="hold" nodeType="clickEffect">
+                                  <p:stCondLst>
+                                    <p:cond delay="0"/>
+                                  </p:stCondLst>
+                                  <p:childTnLst>
+                                    <p:set>
+                                      <p:cBhvr>
+                                        <p:cTn id="6" dur="1" fill="hold">
+                                          <p:stCondLst>
+                                            <p:cond delay="0"/>
+                                          </p:stCondLst>
+                                        </p:cTn>
+                                        <p:tgtEl>
+                                          <p:spTgt spid="6"/>
+                                        </p:tgtEl>
+                                        <p:attrNameLst>
+                                          <p:attrName>style.visibility</p:attrName>
+                                        </p:attrNameLst>
+                                      </p:cBhvr>
+                                      <p:to>
+                                        <p:strVal val="visible"/>
+                                      </p:to>
+                                    </p:set>
+                                  </p:childTnLst>
+                                </p:cTn>
+                              </p:par>
+                            </p:childTnLst>
+                          </p:cTn>
+                        </p:par>
+                      </p:childTnLst>
+                    </p:cTn>
+                  </p:par>
+                  <p:par>
+                    <p:cTn id="7" fill="hold">
+                      <p:stCondLst>
+                        <p:cond delay="indefinite"/>
+                      </p:stCondLst>
+                      <p:childTnLst>
+                        <p:par>
+                          <p:cTn id="8" fill="hold">
+                            <p:stCondLst>
+                              <p:cond delay="0"/>
+                            </p:stCondLst>
+                            <p:childTnLst>
+                              <p:par>
+                                <p:cTn id="9" presetID="1" presetClass="entr" presetSubtype="0" fill="hold" grpId="0" nodeType="clickEffect">
+                                  <p:stCondLst>
+                                    <p:cond delay="0"/>
+                                  </p:stCondLst>
+                                  <p:childTnLst>
+                                    <p:set>
+                                      <p:cBhvr>
+                                        <p:cTn id="10" dur="1" fill="hold">
+                                          <p:stCondLst>
+                                            <p:cond delay="0"/>
+                                          </p:stCondLst>
+                                        </p:cTn>
+                                        <p:tgtEl>
+                                          <p:spTgt spid="7"/>
+                                        </p:tgtEl>
+                                        <p:attrNameLst>
+                                          <p:attrName>style.visibility</p:attrName>
+                                        </p:attrNameLst>
+                                      </p:cBhvr>
+                                      <p:to>
+                                        <p:strVal val="visible"/>
+                                      </p:to>
+                                    </p:set>
+                                  </p:childTnLst>
+                                </p:cTn>
+                              </p:par>
+                            </p:childTnLst>
+                          </p:cTn>
+                        </p:par>
+                      </p:childTnLst>
+                    </p:cTn>
+                  </p:par>
+                  <p:par>
+                    <p:cTn id="11" fill="hold">
+                      <p:stCondLst>
+                        <p:cond delay="indefinite"/>
+                      </p:stCondLst>
+                      <p:childTnLst>
+                        <p:par>
+                          <p:cTn id="12" fill="hold">
+                            <p:stCondLst>
+                              <p:cond delay="0"/>
+                            </p:stCondLst>
+                            <p:childTnLst>
+                              <p:par>
+                                <p:cTn id="13" presetID="1" presetClass="entr" presetSubtype="0" fill="hold" nodeType="clickEffect">
+                                  <p:stCondLst>
+                                    <p:cond delay="0"/>
+                                  </p:stCondLst>
+                                  <p:childTnLst>
+                                    <p:set>
+                                      <p:cBhvr>
+                                        <p:cTn id="14" dur="1" fill="hold">
+                                          <p:stCondLst>
+                                            <p:cond delay="0"/>
+                                          </p:stCondLst>
+                                        </p:cTn>
+                                        <p:tgtEl>
+                                          <p:spTgt spid="8"/>
+                                        </p:tgtEl>
+                                        <p:attrNameLst>
+                                          <p:attrName>style.visibility</p:attrName>
+                                        </p:attrNameLst>
+                                      </p:cBhvr>
+                                      <p:to>
+                                        <p:strVal val="visible"/>
+                                      </p:to>
+                                    </p:set>
+                                  </p:childTnLst>
+                                </p:cTn>
+                              </p:par>
+                              <p:par>
+                                <p:cTn id="15" presetID="1" presetClass="entr" presetSubtype="0" fill="hold" grpId="0" nodeType="withEffect">
+                                  <p:stCondLst>
+                                    <p:cond delay="0"/>
+                                  </p:stCondLst>
+                                  <p:childTnLst>
+                                    <p:set>
+                                      <p:cBhvr>
+                                        <p:cTn id="16" dur="1" fill="hold">
+                                          <p:stCondLst>
+                                            <p:cond delay="0"/>
+                                          </p:stCondLst>
+                                        </p:cTn>
+                                        <p:tgtEl>
+                                          <p:spTgt spid="10"/>
+                                        </p:tgtEl>
+                                        <p:attrNameLst>
+                                          <p:attrName>style.visibility</p:attrName>
+                                        </p:attrNameLst>
+                                      </p:cBhvr>
+                                      <p:to>
+                                        <p:strVal val="visible"/>
+                                      </p:to>
+                                    </p:set>
+                                  </p:childTnLst>
+                                </p:cTn>
+                              </p:par>
+                            </p:childTnLst>
+                          </p:cTn>
+                        </p:par>
+                      </p:childTnLst>
+                    </p:cTn>
+                  </p:par>
+                </p:childTnLst>
+              </p:cTn>
+              <p:prevCondLst>
+                <p:cond evt="onPrev" delay="0">
+                  <p:tgtEl>
+                    <p:sldTgt/>
+                  </p:tgtEl>
+                </p:cond>
+              </p:prevCondLst>
+              <p:nextCondLst>
+                <p:cond evt="onNext" delay="0">
+                  <p:tgtEl>
+                    <p:sldTgt/>
+                  </p:tgtEl>
+                </p:cond>
+              </p:nextCondLst>
+            </p:seq>
+          </p:childTnLst>
+        </p:cTn>
+      </p:par>
+    </p:tnLst>
+    <p:bldLst>
+      <p:bldP spid="7" grpId="0"/>
+      <p:bldP spid="10" grpId="0"/>
+    </p:bldLst>
+  </p:timing>
+</p:sld>
+</file>
+
+<file path=ppt/slides/slide12.xml><?xml version="1.0" encoding="utf-8"?>
+<p:sld xmlns:a="http://schemas.openxmlformats.org/drawingml/2006/main" xmlns:r="http://schemas.openxmlformats.org/officeDocument/2006/relationships" xmlns:p="http://schemas.openxmlformats.org/presentationml/2006/main">
+  <p:cSld>
+    <p:bg>
+      <p:bgPr>
+        <a:gradFill flip="none" rotWithShape="1">
+          <a:gsLst>
+            <a:gs pos="28571">
+              <a:schemeClr val="accent1">
+                <a:lumMod val="5000"/>
+                <a:lumOff val="95000"/>
+                <a:alpha val="54000"/>
+              </a:schemeClr>
+            </a:gs>
+            <a:gs pos="79000">
+              <a:srgbClr val="8CD0F4">
+                <a:alpha val="50000"/>
+                <a:lumMod val="72000"/>
+                <a:lumOff val="28000"/>
+              </a:srgbClr>
+            </a:gs>
+            <a:gs pos="100000">
+              <a:srgbClr val="10A1EA">
+                <a:alpha val="26000"/>
+                <a:lumMod val="73000"/>
+                <a:lumOff val="27000"/>
+              </a:srgbClr>
+            </a:gs>
+          </a:gsLst>
+          <a:lin ang="2700000" scaled="1"/>
+          <a:tileRect/>
+        </a:gradFill>
+        <a:effectLst/>
+      </p:bgPr>
+    </p:bg>
+    <p:spTree>
+      <p:nvGrpSpPr>
+        <p:cNvPr id="1" name=""/>
+        <p:cNvGrpSpPr/>
+        <p:nvPr/>
+      </p:nvGrpSpPr>
+      <p:grpSpPr>
+        <a:xfrm>
+          <a:off x="0" y="0"/>
+          <a:ext cx="0" cy="0"/>
+          <a:chOff x="0" y="0"/>
+          <a:chExt cx="0" cy="0"/>
+        </a:xfrm>
+      </p:grpSpPr>
+      <p:sp>
+        <p:nvSpPr>
+          <p:cNvPr id="9" name="Datumsplatzhalter 8">
+            <a:extLst>
+              <a:ext uri="{FF2B5EF4-FFF2-40B4-BE49-F238E27FC236}">
+                <a16:creationId xmlns:a16="http://schemas.microsoft.com/office/drawing/2014/main" id="{B2E44AFA-B29A-4513-B164-74DF574E302B}"/>
+              </a:ext>
+            </a:extLst>
+          </p:cNvPr>
+          <p:cNvSpPr>
+            <a:spLocks noGrp="1"/>
+          </p:cNvSpPr>
+          <p:nvPr>
+            <p:ph type="dt" sz="half" idx="10"/>
+          </p:nvPr>
+        </p:nvSpPr>
+        <p:spPr>
+          <a:xfrm>
+            <a:off x="1363980" y="6428697"/>
+            <a:ext cx="2468880" cy="365125"/>
+          </a:xfrm>
+        </p:spPr>
+        <p:txBody>
+          <a:bodyPr/>
+          <a:lstStyle/>
+          <a:p>
             <a:pPr defTabSz="548640"/>
             <a:fld id="{4ABD6D1D-9BE7-4B6A-B4D1-FD497C782274}" type="datetime1">
               <a:rPr lang="de-DE">
@@ -4933,80 +7664,6 @@
                 <a:srgbClr val="2E4186"/>
               </a:solidFill>
               <a:latin typeface="Calibri" panose="020F0502020204030204"/>
-            </a:endParaRPr>
-          </a:p>
-        </p:txBody>
-      </p:sp>
-      <p:sp>
-        <p:nvSpPr>
-          <p:cNvPr id="13" name="Textfeld 12">
-            <a:extLst>
-              <a:ext uri="{FF2B5EF4-FFF2-40B4-BE49-F238E27FC236}">
-                <a16:creationId xmlns:a16="http://schemas.microsoft.com/office/drawing/2014/main" id="{88E434CB-53F2-43DE-989A-34F83773913E}"/>
-              </a:ext>
-            </a:extLst>
-          </p:cNvPr>
-          <p:cNvSpPr txBox="1"/>
-          <p:nvPr/>
-        </p:nvSpPr>
-        <p:spPr>
-          <a:xfrm>
-            <a:off x="1636108" y="355134"/>
-            <a:ext cx="8625575" cy="683264"/>
-          </a:xfrm>
-          <a:prstGeom prst="rect">
-            <a:avLst/>
-          </a:prstGeom>
-          <a:noFill/>
-        </p:spPr>
-        <p:txBody>
-          <a:bodyPr wrap="square" rtlCol="0">
-            <a:spAutoFit/>
-          </a:bodyPr>
-          <a:lstStyle/>
-          <a:p>
-            <a:pPr defTabSz="548640"/>
-            <a:r>
-              <a:rPr lang="de-DE" sz="3840" dirty="0">
-                <a:solidFill>
-                  <a:prstClr val="black"/>
-                </a:solidFill>
-                <a:latin typeface="Calibri Light" panose="020F0302020204030204"/>
-              </a:rPr>
-              <a:t>Take </a:t>
-            </a:r>
-            <a:r>
-              <a:rPr lang="de-DE" sz="3840" dirty="0" err="1">
-                <a:solidFill>
-                  <a:prstClr val="black"/>
-                </a:solidFill>
-                <a:latin typeface="Calibri Light" panose="020F0302020204030204"/>
-              </a:rPr>
-              <a:t>home</a:t>
-            </a:r>
-            <a:r>
-              <a:rPr lang="de-DE" sz="3840" dirty="0">
-                <a:solidFill>
-                  <a:prstClr val="black"/>
-                </a:solidFill>
-                <a:latin typeface="Calibri Light" panose="020F0302020204030204"/>
-              </a:rPr>
-              <a:t> </a:t>
-            </a:r>
-            <a:r>
-              <a:rPr lang="de-DE" sz="3840" dirty="0" err="1">
-                <a:solidFill>
-                  <a:prstClr val="black"/>
-                </a:solidFill>
-                <a:latin typeface="Calibri Light" panose="020F0302020204030204"/>
-              </a:rPr>
-              <a:t>message</a:t>
-            </a:r>
-            <a:endParaRPr lang="de-DE" sz="3840" dirty="0">
-              <a:solidFill>
-                <a:prstClr val="black"/>
-              </a:solidFill>
-              <a:latin typeface="Calibri Light" panose="020F0302020204030204"/>
             </a:endParaRPr>
           </a:p>
         </p:txBody>
@@ -5182,7 +7839,7 @@
                 <a:latin typeface="Calibri" panose="020F0502020204030204"/>
               </a:rPr>
               <a:pPr defTabSz="548640"/>
-              <a:t>10</a:t>
+              <a:t>12</a:t>
             </a:fld>
             <a:endParaRPr lang="de-DE" dirty="0">
               <a:solidFill>
@@ -5251,7 +7908,7 @@
           <p:nvPr/>
         </p:nvPicPr>
         <p:blipFill>
-          <a:blip r:embed="rId3"/>
+          <a:blip r:embed="rId2"/>
           <a:stretch>
             <a:fillRect/>
           </a:stretch>
@@ -5324,6 +7981,807 @@
           <p:nvPr/>
         </p:nvPicPr>
         <p:blipFill>
+          <a:blip r:embed="rId3">
+            <a:extLst>
+              <a:ext uri="{28A0092B-C50C-407E-A947-70E740481C1C}">
+                <a14:useLocalDpi xmlns:a14="http://schemas.microsoft.com/office/drawing/2010/main" val="0"/>
+              </a:ext>
+              <a:ext uri="{96DAC541-7B7A-43D3-8B79-37D633B846F1}">
+                <asvg:svgBlip xmlns:asvg="http://schemas.microsoft.com/office/drawing/2016/SVG/main" r:embed="rId4"/>
+              </a:ext>
+            </a:extLst>
+          </a:blip>
+          <a:stretch>
+            <a:fillRect/>
+          </a:stretch>
+        </p:blipFill>
+        <p:spPr>
+          <a:xfrm>
+            <a:off x="782083" y="1047477"/>
+            <a:ext cx="488305" cy="488305"/>
+          </a:xfrm>
+          <a:prstGeom prst="rect">
+            <a:avLst/>
+          </a:prstGeom>
+        </p:spPr>
+      </p:pic>
+      <p:pic>
+        <p:nvPicPr>
+          <p:cNvPr id="51" name="Grafik 50" descr="Balkendiagramm Silhouette">
+            <a:extLst>
+              <a:ext uri="{FF2B5EF4-FFF2-40B4-BE49-F238E27FC236}">
+                <a16:creationId xmlns:a16="http://schemas.microsoft.com/office/drawing/2014/main" id="{96C3BDE6-7984-B720-4EB5-C4480C42E2EA}"/>
+              </a:ext>
+            </a:extLst>
+          </p:cNvPr>
+          <p:cNvPicPr>
+            <a:picLocks noChangeAspect="1"/>
+          </p:cNvPicPr>
+          <p:nvPr/>
+        </p:nvPicPr>
+        <p:blipFill>
+          <a:blip r:embed="rId5">
+            <a:extLst>
+              <a:ext uri="{28A0092B-C50C-407E-A947-70E740481C1C}">
+                <a14:useLocalDpi xmlns:a14="http://schemas.microsoft.com/office/drawing/2010/main" val="0"/>
+              </a:ext>
+              <a:ext uri="{96DAC541-7B7A-43D3-8B79-37D633B846F1}">
+                <asvg:svgBlip xmlns:asvg="http://schemas.microsoft.com/office/drawing/2016/SVG/main" r:embed="rId6"/>
+              </a:ext>
+            </a:extLst>
+          </a:blip>
+          <a:stretch>
+            <a:fillRect/>
+          </a:stretch>
+        </p:blipFill>
+        <p:spPr>
+          <a:xfrm>
+            <a:off x="797065" y="2464562"/>
+            <a:ext cx="488305" cy="488305"/>
+          </a:xfrm>
+          <a:prstGeom prst="rect">
+            <a:avLst/>
+          </a:prstGeom>
+        </p:spPr>
+      </p:pic>
+      <p:pic>
+        <p:nvPicPr>
+          <p:cNvPr id="16" name="Grafik 15" descr="Puzzle Silhouette">
+            <a:extLst>
+              <a:ext uri="{FF2B5EF4-FFF2-40B4-BE49-F238E27FC236}">
+                <a16:creationId xmlns:a16="http://schemas.microsoft.com/office/drawing/2014/main" id="{CF0882A4-FA26-B70B-DA06-09E5A28796D1}"/>
+              </a:ext>
+            </a:extLst>
+          </p:cNvPr>
+          <p:cNvPicPr>
+            <a:picLocks noChangeAspect="1"/>
+          </p:cNvPicPr>
+          <p:nvPr/>
+        </p:nvPicPr>
+        <p:blipFill>
+          <a:blip r:embed="rId7">
+            <a:extLst>
+              <a:ext uri="{28A0092B-C50C-407E-A947-70E740481C1C}">
+                <a14:useLocalDpi xmlns:a14="http://schemas.microsoft.com/office/drawing/2010/main" val="0"/>
+              </a:ext>
+              <a:ext uri="{96DAC541-7B7A-43D3-8B79-37D633B846F1}">
+                <asvg:svgBlip xmlns:asvg="http://schemas.microsoft.com/office/drawing/2016/SVG/main" r:embed="rId8"/>
+              </a:ext>
+            </a:extLst>
+          </a:blip>
+          <a:stretch>
+            <a:fillRect/>
+          </a:stretch>
+        </p:blipFill>
+        <p:spPr>
+          <a:xfrm>
+            <a:off x="797064" y="3881645"/>
+            <a:ext cx="488306" cy="488306"/>
+          </a:xfrm>
+          <a:prstGeom prst="rect">
+            <a:avLst/>
+          </a:prstGeom>
+        </p:spPr>
+      </p:pic>
+      <p:sp>
+        <p:nvSpPr>
+          <p:cNvPr id="18" name="Rechteck 17">
+            <a:extLst>
+              <a:ext uri="{FF2B5EF4-FFF2-40B4-BE49-F238E27FC236}">
+                <a16:creationId xmlns:a16="http://schemas.microsoft.com/office/drawing/2014/main" id="{507A628C-2460-FC78-1BB8-3C1512939DF1}"/>
+              </a:ext>
+            </a:extLst>
+          </p:cNvPr>
+          <p:cNvSpPr/>
+          <p:nvPr/>
+        </p:nvSpPr>
+        <p:spPr>
+          <a:xfrm>
+            <a:off x="1492397" y="1019285"/>
+            <a:ext cx="9096403" cy="5461243"/>
+          </a:xfrm>
+          <a:prstGeom prst="rect">
+            <a:avLst/>
+          </a:prstGeom>
+          <a:solidFill>
+            <a:srgbClr val="10A1EA"/>
+          </a:solidFill>
+          <a:ln>
+            <a:noFill/>
+          </a:ln>
+          <a:effectLst>
+            <a:softEdge rad="736600"/>
+          </a:effectLst>
+        </p:spPr>
+        <p:style>
+          <a:lnRef idx="2">
+            <a:schemeClr val="accent1">
+              <a:shade val="50000"/>
+            </a:schemeClr>
+          </a:lnRef>
+          <a:fillRef idx="1">
+            <a:schemeClr val="accent1"/>
+          </a:fillRef>
+          <a:effectRef idx="0">
+            <a:schemeClr val="accent1"/>
+          </a:effectRef>
+          <a:fontRef idx="minor">
+            <a:schemeClr val="lt1"/>
+          </a:fontRef>
+        </p:style>
+        <p:txBody>
+          <a:bodyPr rtlCol="0" anchor="ctr"/>
+          <a:lstStyle/>
+          <a:p>
+            <a:pPr algn="ctr" defTabSz="548640"/>
+            <a:endParaRPr lang="de-DE" sz="2160">
+              <a:solidFill>
+                <a:prstClr val="white"/>
+              </a:solidFill>
+              <a:latin typeface="Calibri" panose="020F0502020204030204"/>
+            </a:endParaRPr>
+          </a:p>
+        </p:txBody>
+      </p:sp>
+      <p:sp>
+        <p:nvSpPr>
+          <p:cNvPr id="3" name="Textfeld 2">
+            <a:extLst>
+              <a:ext uri="{FF2B5EF4-FFF2-40B4-BE49-F238E27FC236}">
+                <a16:creationId xmlns:a16="http://schemas.microsoft.com/office/drawing/2014/main" id="{4A99D1D5-0482-1974-8FE3-1BE290738273}"/>
+              </a:ext>
+            </a:extLst>
+          </p:cNvPr>
+          <p:cNvSpPr txBox="1"/>
+          <p:nvPr/>
+        </p:nvSpPr>
+        <p:spPr>
+          <a:xfrm>
+            <a:off x="1409659" y="1594765"/>
+            <a:ext cx="8852023" cy="2737191"/>
+          </a:xfrm>
+          <a:prstGeom prst="rect">
+            <a:avLst/>
+          </a:prstGeom>
+          <a:noFill/>
+        </p:spPr>
+        <p:txBody>
+          <a:bodyPr wrap="square" rtlCol="0">
+            <a:spAutoFit/>
+          </a:bodyPr>
+          <a:lstStyle/>
+          <a:p>
+            <a:pPr algn="ctr"/>
+            <a:r>
+              <a:rPr lang="de-DE" sz="8640" b="1" dirty="0">
+                <a:solidFill>
+                  <a:schemeClr val="bg1"/>
+                </a:solidFill>
+                <a:latin typeface="+mj-lt"/>
+              </a:rPr>
+              <a:t>Take </a:t>
+            </a:r>
+            <a:r>
+              <a:rPr lang="de-DE" sz="8640" b="1" dirty="0" err="1">
+                <a:solidFill>
+                  <a:schemeClr val="bg1"/>
+                </a:solidFill>
+                <a:latin typeface="+mj-lt"/>
+              </a:rPr>
+              <a:t>home</a:t>
+            </a:r>
+            <a:r>
+              <a:rPr lang="de-DE" sz="8640" b="1" dirty="0">
+                <a:solidFill>
+                  <a:schemeClr val="bg1"/>
+                </a:solidFill>
+                <a:latin typeface="+mj-lt"/>
+              </a:rPr>
+              <a:t> </a:t>
+            </a:r>
+            <a:r>
+              <a:rPr lang="de-DE" sz="8640" b="1" dirty="0" err="1">
+                <a:solidFill>
+                  <a:schemeClr val="bg1"/>
+                </a:solidFill>
+                <a:latin typeface="+mj-lt"/>
+              </a:rPr>
+              <a:t>message</a:t>
+            </a:r>
+            <a:endParaRPr lang="de-DE" sz="8640" b="1" dirty="0">
+              <a:solidFill>
+                <a:schemeClr val="bg1"/>
+              </a:solidFill>
+              <a:latin typeface="+mj-lt"/>
+            </a:endParaRPr>
+          </a:p>
+        </p:txBody>
+      </p:sp>
+      <p:pic>
+        <p:nvPicPr>
+          <p:cNvPr id="4" name="Grafik 3">
+            <a:extLst>
+              <a:ext uri="{FF2B5EF4-FFF2-40B4-BE49-F238E27FC236}">
+                <a16:creationId xmlns:a16="http://schemas.microsoft.com/office/drawing/2014/main" id="{9461B44A-75E7-D9D9-FEEC-EDC931D6A0AD}"/>
+              </a:ext>
+            </a:extLst>
+          </p:cNvPr>
+          <p:cNvPicPr>
+            <a:picLocks noChangeAspect="1"/>
+          </p:cNvPicPr>
+          <p:nvPr/>
+        </p:nvPicPr>
+        <p:blipFill>
+          <a:blip r:embed="rId9">
+            <a:extLst>
+              <a:ext uri="{96DAC541-7B7A-43D3-8B79-37D633B846F1}">
+                <asvg:svgBlip xmlns:asvg="http://schemas.microsoft.com/office/drawing/2016/SVG/main" r:embed="rId10"/>
+              </a:ext>
+            </a:extLst>
+          </a:blip>
+          <a:srcRect/>
+          <a:stretch/>
+        </p:blipFill>
+        <p:spPr>
+          <a:xfrm>
+            <a:off x="5415504" y="4282341"/>
+            <a:ext cx="1250187" cy="1250187"/>
+          </a:xfrm>
+          <a:prstGeom prst="rect">
+            <a:avLst/>
+          </a:prstGeom>
+        </p:spPr>
+      </p:pic>
+      <p:pic>
+        <p:nvPicPr>
+          <p:cNvPr id="5" name="Grafik 4">
+            <a:extLst>
+              <a:ext uri="{FF2B5EF4-FFF2-40B4-BE49-F238E27FC236}">
+                <a16:creationId xmlns:a16="http://schemas.microsoft.com/office/drawing/2014/main" id="{EC3530A3-0192-2B89-36E4-4C60437BBD79}"/>
+              </a:ext>
+            </a:extLst>
+          </p:cNvPr>
+          <p:cNvPicPr>
+            <a:picLocks noChangeAspect="1"/>
+          </p:cNvPicPr>
+          <p:nvPr/>
+        </p:nvPicPr>
+        <p:blipFill>
+          <a:blip r:embed="rId9">
+            <a:extLst>
+              <a:ext uri="{96DAC541-7B7A-43D3-8B79-37D633B846F1}">
+                <asvg:svgBlip xmlns:asvg="http://schemas.microsoft.com/office/drawing/2016/SVG/main" r:embed="rId10"/>
+              </a:ext>
+            </a:extLst>
+          </a:blip>
+          <a:srcRect/>
+          <a:stretch/>
+        </p:blipFill>
+        <p:spPr>
+          <a:xfrm>
+            <a:off x="849267" y="5387093"/>
+            <a:ext cx="385774" cy="385774"/>
+          </a:xfrm>
+          <a:prstGeom prst="rect">
+            <a:avLst/>
+          </a:prstGeom>
+        </p:spPr>
+      </p:pic>
+    </p:spTree>
+    <p:extLst>
+      <p:ext uri="{BB962C8B-B14F-4D97-AF65-F5344CB8AC3E}">
+        <p14:creationId xmlns:p14="http://schemas.microsoft.com/office/powerpoint/2010/main" val="3317635223"/>
+      </p:ext>
+    </p:extLst>
+  </p:cSld>
+  <p:clrMapOvr>
+    <a:masterClrMapping/>
+  </p:clrMapOvr>
+</p:sld>
+</file>
+
+<file path=ppt/slides/slide13.xml><?xml version="1.0" encoding="utf-8"?>
+<p:sld xmlns:a="http://schemas.openxmlformats.org/drawingml/2006/main" xmlns:r="http://schemas.openxmlformats.org/officeDocument/2006/relationships" xmlns:p="http://schemas.openxmlformats.org/presentationml/2006/main">
+  <p:cSld>
+    <p:bg>
+      <p:bgPr>
+        <a:gradFill flip="none" rotWithShape="1">
+          <a:gsLst>
+            <a:gs pos="28571">
+              <a:schemeClr val="accent1">
+                <a:lumMod val="5000"/>
+                <a:lumOff val="95000"/>
+                <a:alpha val="54000"/>
+              </a:schemeClr>
+            </a:gs>
+            <a:gs pos="79000">
+              <a:srgbClr val="8CD0F4">
+                <a:alpha val="50000"/>
+                <a:lumMod val="72000"/>
+                <a:lumOff val="28000"/>
+              </a:srgbClr>
+            </a:gs>
+            <a:gs pos="100000">
+              <a:srgbClr val="10A1EA">
+                <a:alpha val="26000"/>
+                <a:lumMod val="73000"/>
+                <a:lumOff val="27000"/>
+              </a:srgbClr>
+            </a:gs>
+          </a:gsLst>
+          <a:lin ang="2700000" scaled="1"/>
+          <a:tileRect/>
+        </a:gradFill>
+        <a:effectLst/>
+      </p:bgPr>
+    </p:bg>
+    <p:spTree>
+      <p:nvGrpSpPr>
+        <p:cNvPr id="1" name=""/>
+        <p:cNvGrpSpPr/>
+        <p:nvPr/>
+      </p:nvGrpSpPr>
+      <p:grpSpPr>
+        <a:xfrm>
+          <a:off x="0" y="0"/>
+          <a:ext cx="0" cy="0"/>
+          <a:chOff x="0" y="0"/>
+          <a:chExt cx="0" cy="0"/>
+        </a:xfrm>
+      </p:grpSpPr>
+      <p:sp>
+        <p:nvSpPr>
+          <p:cNvPr id="9" name="Datumsplatzhalter 8">
+            <a:extLst>
+              <a:ext uri="{FF2B5EF4-FFF2-40B4-BE49-F238E27FC236}">
+                <a16:creationId xmlns:a16="http://schemas.microsoft.com/office/drawing/2014/main" id="{B2E44AFA-B29A-4513-B164-74DF574E302B}"/>
+              </a:ext>
+            </a:extLst>
+          </p:cNvPr>
+          <p:cNvSpPr>
+            <a:spLocks noGrp="1"/>
+          </p:cNvSpPr>
+          <p:nvPr>
+            <p:ph type="dt" sz="half" idx="10"/>
+          </p:nvPr>
+        </p:nvSpPr>
+        <p:spPr>
+          <a:xfrm>
+            <a:off x="1363980" y="6428697"/>
+            <a:ext cx="2468880" cy="365125"/>
+          </a:xfrm>
+        </p:spPr>
+        <p:txBody>
+          <a:bodyPr/>
+          <a:lstStyle/>
+          <a:p>
+            <a:pPr defTabSz="548640"/>
+            <a:fld id="{4ABD6D1D-9BE7-4B6A-B4D1-FD497C782274}" type="datetime1">
+              <a:rPr lang="de-DE">
+                <a:solidFill>
+                  <a:srgbClr val="2E4186"/>
+                </a:solidFill>
+                <a:latin typeface="Calibri" panose="020F0502020204030204"/>
+              </a:rPr>
+              <a:pPr defTabSz="548640"/>
+              <a:t>17.07.22</a:t>
+            </a:fld>
+            <a:endParaRPr lang="de-DE" dirty="0">
+              <a:solidFill>
+                <a:srgbClr val="2E4186"/>
+              </a:solidFill>
+              <a:latin typeface="Calibri" panose="020F0502020204030204"/>
+            </a:endParaRPr>
+          </a:p>
+        </p:txBody>
+      </p:sp>
+      <p:sp>
+        <p:nvSpPr>
+          <p:cNvPr id="13" name="Textfeld 12">
+            <a:extLst>
+              <a:ext uri="{FF2B5EF4-FFF2-40B4-BE49-F238E27FC236}">
+                <a16:creationId xmlns:a16="http://schemas.microsoft.com/office/drawing/2014/main" id="{88E434CB-53F2-43DE-989A-34F83773913E}"/>
+              </a:ext>
+            </a:extLst>
+          </p:cNvPr>
+          <p:cNvSpPr txBox="1"/>
+          <p:nvPr/>
+        </p:nvSpPr>
+        <p:spPr>
+          <a:xfrm>
+            <a:off x="1636108" y="355134"/>
+            <a:ext cx="8625575" cy="683264"/>
+          </a:xfrm>
+          <a:prstGeom prst="rect">
+            <a:avLst/>
+          </a:prstGeom>
+          <a:noFill/>
+        </p:spPr>
+        <p:txBody>
+          <a:bodyPr wrap="square" rtlCol="0">
+            <a:spAutoFit/>
+          </a:bodyPr>
+          <a:lstStyle/>
+          <a:p>
+            <a:pPr defTabSz="548640"/>
+            <a:r>
+              <a:rPr lang="de-DE" sz="3840" dirty="0">
+                <a:solidFill>
+                  <a:prstClr val="black"/>
+                </a:solidFill>
+                <a:latin typeface="Calibri Light" panose="020F0302020204030204"/>
+              </a:rPr>
+              <a:t>Take </a:t>
+            </a:r>
+            <a:r>
+              <a:rPr lang="de-DE" sz="3840" dirty="0" err="1">
+                <a:solidFill>
+                  <a:prstClr val="black"/>
+                </a:solidFill>
+                <a:latin typeface="Calibri Light" panose="020F0302020204030204"/>
+              </a:rPr>
+              <a:t>home</a:t>
+            </a:r>
+            <a:r>
+              <a:rPr lang="de-DE" sz="3840" dirty="0">
+                <a:solidFill>
+                  <a:prstClr val="black"/>
+                </a:solidFill>
+                <a:latin typeface="Calibri Light" panose="020F0302020204030204"/>
+              </a:rPr>
+              <a:t> </a:t>
+            </a:r>
+            <a:r>
+              <a:rPr lang="de-DE" sz="3840" dirty="0" err="1">
+                <a:solidFill>
+                  <a:prstClr val="black"/>
+                </a:solidFill>
+                <a:latin typeface="Calibri Light" panose="020F0302020204030204"/>
+              </a:rPr>
+              <a:t>message</a:t>
+            </a:r>
+            <a:endParaRPr lang="de-DE" sz="3840" dirty="0">
+              <a:solidFill>
+                <a:prstClr val="black"/>
+              </a:solidFill>
+              <a:latin typeface="Calibri Light" panose="020F0302020204030204"/>
+            </a:endParaRPr>
+          </a:p>
+        </p:txBody>
+      </p:sp>
+      <p:cxnSp>
+        <p:nvCxnSpPr>
+          <p:cNvPr id="14" name="Gerader Verbinder 13">
+            <a:extLst>
+              <a:ext uri="{FF2B5EF4-FFF2-40B4-BE49-F238E27FC236}">
+                <a16:creationId xmlns:a16="http://schemas.microsoft.com/office/drawing/2014/main" id="{1CDE483F-007A-4AB6-9094-9439F0148193}"/>
+              </a:ext>
+            </a:extLst>
+          </p:cNvPr>
+          <p:cNvCxnSpPr>
+            <a:cxnSpLocks/>
+          </p:cNvCxnSpPr>
+          <p:nvPr/>
+        </p:nvCxnSpPr>
+        <p:spPr>
+          <a:xfrm>
+            <a:off x="1481544" y="1019285"/>
+            <a:ext cx="8225977" cy="0"/>
+          </a:xfrm>
+          <a:prstGeom prst="line">
+            <a:avLst/>
+          </a:prstGeom>
+          <a:ln>
+            <a:solidFill>
+              <a:srgbClr val="10A1EA"/>
+            </a:solidFill>
+          </a:ln>
+        </p:spPr>
+        <p:style>
+          <a:lnRef idx="1">
+            <a:schemeClr val="accent1"/>
+          </a:lnRef>
+          <a:fillRef idx="0">
+            <a:schemeClr val="accent1"/>
+          </a:fillRef>
+          <a:effectRef idx="0">
+            <a:schemeClr val="accent1"/>
+          </a:effectRef>
+          <a:fontRef idx="minor">
+            <a:schemeClr val="tx1"/>
+          </a:fontRef>
+        </p:style>
+      </p:cxnSp>
+      <p:sp>
+        <p:nvSpPr>
+          <p:cNvPr id="24" name="Rechteck 23">
+            <a:extLst>
+              <a:ext uri="{FF2B5EF4-FFF2-40B4-BE49-F238E27FC236}">
+                <a16:creationId xmlns:a16="http://schemas.microsoft.com/office/drawing/2014/main" id="{85AA2DAF-4E4E-60E3-5793-E5162487086D}"/>
+              </a:ext>
+            </a:extLst>
+          </p:cNvPr>
+          <p:cNvSpPr/>
+          <p:nvPr/>
+        </p:nvSpPr>
+        <p:spPr>
+          <a:xfrm>
+            <a:off x="792937" y="0"/>
+            <a:ext cx="488305" cy="6858000"/>
+          </a:xfrm>
+          <a:prstGeom prst="rect">
+            <a:avLst/>
+          </a:prstGeom>
+          <a:gradFill>
+            <a:gsLst>
+              <a:gs pos="5000">
+                <a:schemeClr val="bg1">
+                  <a:alpha val="91000"/>
+                </a:schemeClr>
+              </a:gs>
+              <a:gs pos="98000">
+                <a:schemeClr val="bg1"/>
+              </a:gs>
+              <a:gs pos="94000">
+                <a:srgbClr val="12D4E8"/>
+              </a:gs>
+              <a:gs pos="90000">
+                <a:srgbClr val="10A1EA"/>
+              </a:gs>
+              <a:gs pos="54000">
+                <a:srgbClr val="12D4E8"/>
+              </a:gs>
+              <a:gs pos="77000">
+                <a:srgbClr val="175CF5"/>
+              </a:gs>
+              <a:gs pos="68000">
+                <a:srgbClr val="10A1EA"/>
+              </a:gs>
+              <a:gs pos="85000">
+                <a:srgbClr val="175CF5"/>
+              </a:gs>
+            </a:gsLst>
+            <a:lin ang="5400000" scaled="1"/>
+          </a:gradFill>
+          <a:ln>
+            <a:noFill/>
+          </a:ln>
+          <a:effectLst>
+            <a:softEdge rad="38100"/>
+          </a:effectLst>
+        </p:spPr>
+        <p:style>
+          <a:lnRef idx="2">
+            <a:schemeClr val="accent1">
+              <a:shade val="50000"/>
+            </a:schemeClr>
+          </a:lnRef>
+          <a:fillRef idx="1">
+            <a:schemeClr val="accent1"/>
+          </a:fillRef>
+          <a:effectRef idx="0">
+            <a:schemeClr val="accent1"/>
+          </a:effectRef>
+          <a:fontRef idx="minor">
+            <a:schemeClr val="lt1"/>
+          </a:fontRef>
+        </p:style>
+        <p:txBody>
+          <a:bodyPr rot="0" spcFirstLastPara="0" vert="horz" wrap="square" lIns="109728" tIns="54864" rIns="109728" bIns="54864" numCol="1" spcCol="0" rtlCol="0" fromWordArt="0" anchor="ctr" anchorCtr="0" forceAA="0" compatLnSpc="1">
+            <a:prstTxWarp prst="textNoShape">
+              <a:avLst/>
+            </a:prstTxWarp>
+            <a:noAutofit/>
+          </a:bodyPr>
+          <a:lstStyle/>
+          <a:p>
+            <a:pPr defTabSz="548640"/>
+            <a:endParaRPr lang="de-DE" sz="2160">
+              <a:solidFill>
+                <a:prstClr val="white"/>
+              </a:solidFill>
+              <a:latin typeface="Calibri" panose="020F0502020204030204"/>
+            </a:endParaRPr>
+          </a:p>
+        </p:txBody>
+      </p:sp>
+      <p:sp>
+        <p:nvSpPr>
+          <p:cNvPr id="2" name="Foliennummernplatzhalter 1">
+            <a:extLst>
+              <a:ext uri="{FF2B5EF4-FFF2-40B4-BE49-F238E27FC236}">
+                <a16:creationId xmlns:a16="http://schemas.microsoft.com/office/drawing/2014/main" id="{7127E193-062B-1452-70A0-30F77337207F}"/>
+              </a:ext>
+            </a:extLst>
+          </p:cNvPr>
+          <p:cNvSpPr>
+            <a:spLocks noGrp="1"/>
+          </p:cNvSpPr>
+          <p:nvPr>
+            <p:ph type="sldNum" sz="quarter" idx="12"/>
+          </p:nvPr>
+        </p:nvSpPr>
+        <p:spPr>
+          <a:xfrm>
+            <a:off x="8739300" y="6390912"/>
+            <a:ext cx="2468880" cy="365125"/>
+          </a:xfrm>
+        </p:spPr>
+        <p:txBody>
+          <a:bodyPr/>
+          <a:lstStyle/>
+          <a:p>
+            <a:pPr defTabSz="548640"/>
+            <a:fld id="{D3D8A29C-259F-45D5-BFFA-A48772AC905C}" type="slidenum">
+              <a:rPr lang="de-DE">
+                <a:solidFill>
+                  <a:srgbClr val="2E4186"/>
+                </a:solidFill>
+                <a:latin typeface="Calibri" panose="020F0502020204030204"/>
+              </a:rPr>
+              <a:pPr defTabSz="548640"/>
+              <a:t>13</a:t>
+            </a:fld>
+            <a:endParaRPr lang="de-DE" dirty="0">
+              <a:solidFill>
+                <a:srgbClr val="2E4186"/>
+              </a:solidFill>
+              <a:latin typeface="Calibri" panose="020F0502020204030204"/>
+            </a:endParaRPr>
+          </a:p>
+        </p:txBody>
+      </p:sp>
+      <p:cxnSp>
+        <p:nvCxnSpPr>
+          <p:cNvPr id="23" name="Gerader Verbinder 22">
+            <a:extLst>
+              <a:ext uri="{FF2B5EF4-FFF2-40B4-BE49-F238E27FC236}">
+                <a16:creationId xmlns:a16="http://schemas.microsoft.com/office/drawing/2014/main" id="{F400FDB4-FD57-FB87-F549-2AF5E6E1AE51}"/>
+              </a:ext>
+            </a:extLst>
+          </p:cNvPr>
+          <p:cNvCxnSpPr>
+            <a:cxnSpLocks/>
+          </p:cNvCxnSpPr>
+          <p:nvPr/>
+        </p:nvCxnSpPr>
+        <p:spPr>
+          <a:xfrm flipH="1">
+            <a:off x="11208180" y="5767097"/>
+            <a:ext cx="374220" cy="1090903"/>
+          </a:xfrm>
+          <a:prstGeom prst="line">
+            <a:avLst/>
+          </a:prstGeom>
+          <a:ln>
+            <a:solidFill>
+              <a:srgbClr val="10A1EA"/>
+            </a:solidFill>
+          </a:ln>
+        </p:spPr>
+        <p:style>
+          <a:lnRef idx="1">
+            <a:schemeClr val="accent1"/>
+          </a:lnRef>
+          <a:fillRef idx="0">
+            <a:schemeClr val="accent1"/>
+          </a:fillRef>
+          <a:effectRef idx="0">
+            <a:schemeClr val="accent1"/>
+          </a:effectRef>
+          <a:fontRef idx="minor">
+            <a:schemeClr val="tx1"/>
+          </a:fontRef>
+        </p:style>
+      </p:cxnSp>
+      <p:pic>
+        <p:nvPicPr>
+          <p:cNvPr id="39" name="Grafik 38">
+            <a:extLst>
+              <a:ext uri="{FF2B5EF4-FFF2-40B4-BE49-F238E27FC236}">
+                <a16:creationId xmlns:a16="http://schemas.microsoft.com/office/drawing/2014/main" id="{83A8EE2E-0954-6F9A-1734-5FCF5AFB3FA0}"/>
+              </a:ext>
+            </a:extLst>
+          </p:cNvPr>
+          <p:cNvPicPr>
+            <a:picLocks noChangeAspect="1"/>
+          </p:cNvPicPr>
+          <p:nvPr/>
+        </p:nvPicPr>
+        <p:blipFill>
+          <a:blip r:embed="rId3"/>
+          <a:stretch>
+            <a:fillRect/>
+          </a:stretch>
+        </p:blipFill>
+        <p:spPr>
+          <a:xfrm>
+            <a:off x="9783168" y="128962"/>
+            <a:ext cx="1663105" cy="1483579"/>
+          </a:xfrm>
+          <a:prstGeom prst="rect">
+            <a:avLst/>
+          </a:prstGeom>
+        </p:spPr>
+      </p:pic>
+      <p:cxnSp>
+        <p:nvCxnSpPr>
+          <p:cNvPr id="42" name="Gerader Verbinder 41">
+            <a:extLst>
+              <a:ext uri="{FF2B5EF4-FFF2-40B4-BE49-F238E27FC236}">
+                <a16:creationId xmlns:a16="http://schemas.microsoft.com/office/drawing/2014/main" id="{916F5C3D-50C3-059D-6772-1DD70D5E9604}"/>
+              </a:ext>
+            </a:extLst>
+          </p:cNvPr>
+          <p:cNvCxnSpPr>
+            <a:cxnSpLocks/>
+          </p:cNvCxnSpPr>
+          <p:nvPr/>
+        </p:nvCxnSpPr>
+        <p:spPr>
+          <a:xfrm>
+            <a:off x="1363980" y="6454616"/>
+            <a:ext cx="8897702" cy="0"/>
+          </a:xfrm>
+          <a:prstGeom prst="line">
+            <a:avLst/>
+          </a:prstGeom>
+          <a:ln>
+            <a:solidFill>
+              <a:srgbClr val="10A1EA"/>
+            </a:solidFill>
+          </a:ln>
+        </p:spPr>
+        <p:style>
+          <a:lnRef idx="1">
+            <a:schemeClr val="accent1"/>
+          </a:lnRef>
+          <a:fillRef idx="0">
+            <a:schemeClr val="accent1"/>
+          </a:fillRef>
+          <a:effectRef idx="0">
+            <a:schemeClr val="accent1"/>
+          </a:effectRef>
+          <a:fontRef idx="minor">
+            <a:schemeClr val="tx1"/>
+          </a:fontRef>
+        </p:style>
+      </p:cxnSp>
+      <p:pic>
+        <p:nvPicPr>
+          <p:cNvPr id="49" name="Grafik 48" descr="DNA Silhouette">
+            <a:extLst>
+              <a:ext uri="{FF2B5EF4-FFF2-40B4-BE49-F238E27FC236}">
+                <a16:creationId xmlns:a16="http://schemas.microsoft.com/office/drawing/2014/main" id="{6DEF5C3C-BCD8-CE26-6A1F-44421E61A3CA}"/>
+              </a:ext>
+            </a:extLst>
+          </p:cNvPr>
+          <p:cNvPicPr>
+            <a:picLocks noChangeAspect="1"/>
+          </p:cNvPicPr>
+          <p:nvPr/>
+        </p:nvPicPr>
+        <p:blipFill>
           <a:blip r:embed="rId4">
             <a:extLst>
               <a:ext uri="{28A0092B-C50C-407E-A947-70E740481C1C}">
@@ -5504,6 +8962,118 @@
           </a:prstGeom>
         </p:spPr>
       </p:pic>
+      <p:sp>
+        <p:nvSpPr>
+          <p:cNvPr id="4" name="Rechteck 3">
+            <a:extLst>
+              <a:ext uri="{FF2B5EF4-FFF2-40B4-BE49-F238E27FC236}">
+                <a16:creationId xmlns:a16="http://schemas.microsoft.com/office/drawing/2014/main" id="{AF622628-F81E-E610-C840-DEB4D49DC45D}"/>
+              </a:ext>
+            </a:extLst>
+          </p:cNvPr>
+          <p:cNvSpPr/>
+          <p:nvPr/>
+        </p:nvSpPr>
+        <p:spPr>
+          <a:xfrm>
+            <a:off x="2576946" y="2522763"/>
+            <a:ext cx="7956468" cy="1938992"/>
+          </a:xfrm>
+          <a:prstGeom prst="rect">
+            <a:avLst/>
+          </a:prstGeom>
+        </p:spPr>
+        <p:txBody>
+          <a:bodyPr wrap="square">
+            <a:spAutoFit/>
+          </a:bodyPr>
+          <a:lstStyle/>
+          <a:p>
+            <a:pPr algn="ctr"/>
+            <a:r>
+              <a:rPr lang="de-DE" sz="4000" dirty="0"/>
+              <a:t>TRA </a:t>
+            </a:r>
+            <a:r>
+              <a:rPr lang="de-DE" sz="4000" dirty="0" err="1"/>
+              <a:t>can</a:t>
+            </a:r>
+            <a:r>
+              <a:rPr lang="de-DE" sz="4000" dirty="0"/>
+              <a:t> </a:t>
+            </a:r>
+            <a:r>
+              <a:rPr lang="de-DE" sz="4000" dirty="0" err="1"/>
+              <a:t>help</a:t>
+            </a:r>
+            <a:r>
+              <a:rPr lang="de-DE" sz="4000" dirty="0"/>
+              <a:t> </a:t>
+            </a:r>
+            <a:r>
+              <a:rPr lang="de-DE" sz="4000" dirty="0" err="1"/>
+              <a:t>us</a:t>
+            </a:r>
+            <a:r>
+              <a:rPr lang="de-DE" sz="4000" dirty="0"/>
+              <a:t> </a:t>
+            </a:r>
+            <a:r>
+              <a:rPr lang="de-DE" sz="4000" dirty="0" err="1"/>
+              <a:t>to</a:t>
+            </a:r>
+            <a:r>
+              <a:rPr lang="de-DE" sz="4000" dirty="0"/>
+              <a:t> </a:t>
+            </a:r>
+            <a:r>
+              <a:rPr lang="de-DE" sz="4000" dirty="0" err="1"/>
+              <a:t>understand</a:t>
+            </a:r>
+            <a:r>
+              <a:rPr lang="de-DE" sz="4000" dirty="0"/>
+              <a:t> </a:t>
+            </a:r>
+            <a:r>
+              <a:rPr lang="de-DE" sz="4000" dirty="0" err="1"/>
+              <a:t>molecular</a:t>
+            </a:r>
+            <a:r>
+              <a:rPr lang="de-DE" sz="4000" dirty="0"/>
+              <a:t> </a:t>
+            </a:r>
+            <a:r>
+              <a:rPr lang="de-DE" sz="4000" dirty="0" err="1"/>
+              <a:t>biological</a:t>
+            </a:r>
+            <a:r>
+              <a:rPr lang="de-DE" sz="4000" dirty="0"/>
+              <a:t> </a:t>
+            </a:r>
+            <a:r>
+              <a:rPr lang="de-DE" sz="4000" dirty="0" err="1"/>
+              <a:t>processes</a:t>
+            </a:r>
+            <a:r>
+              <a:rPr lang="de-DE" sz="4000" dirty="0"/>
+              <a:t> in </a:t>
+            </a:r>
+            <a:r>
+              <a:rPr lang="de-DE" sz="4000" dirty="0" err="1"/>
+              <a:t>early</a:t>
+            </a:r>
+            <a:r>
+              <a:rPr lang="de-DE" sz="4000" dirty="0"/>
+              <a:t> </a:t>
+            </a:r>
+            <a:r>
+              <a:rPr lang="de-DE" sz="4000" dirty="0" err="1"/>
+              <a:t>organogenesis</a:t>
+            </a:r>
+            <a:endParaRPr lang="de-DE" sz="4000" dirty="0"/>
+          </a:p>
+        </p:txBody>
+      </p:sp>
     </p:spTree>
     <p:extLst>
       <p:ext uri="{BB962C8B-B14F-4D97-AF65-F5344CB8AC3E}">
@@ -5517,7 +9087,7 @@
 </p:sld>
 </file>
 
-<file path=ppt/slides/slide11.xml><?xml version="1.0" encoding="utf-8"?>
+<file path=ppt/slides/slide14.xml><?xml version="1.0" encoding="utf-8"?>
 <p:sld xmlns:a="http://schemas.openxmlformats.org/drawingml/2006/main" xmlns:r="http://schemas.openxmlformats.org/officeDocument/2006/relationships" xmlns:p="http://schemas.openxmlformats.org/presentationml/2006/main">
   <p:cSld>
     <p:bg>
@@ -6530,7 +10100,7 @@
 </p:sld>
 </file>
 
-<file path=ppt/slides/slide12.xml><?xml version="1.0" encoding="utf-8"?>
+<file path=ppt/slides/slide15.xml><?xml version="1.0" encoding="utf-8"?>
 <p:sld xmlns:a="http://schemas.openxmlformats.org/drawingml/2006/main" xmlns:r="http://schemas.openxmlformats.org/officeDocument/2006/relationships" xmlns:p="http://schemas.openxmlformats.org/presentationml/2006/main">
   <p:cSld>
     <p:bg>
@@ -6796,7 +10366,7 @@
                 <a:latin typeface="Calibri" panose="020F0502020204030204"/>
               </a:rPr>
               <a:pPr defTabSz="548640"/>
-              <a:t>12</a:t>
+              <a:t>15</a:t>
             </a:fld>
             <a:endParaRPr lang="de-DE" dirty="0">
               <a:solidFill>
@@ -9593,6 +13163,192 @@
           </a:prstGeom>
         </p:spPr>
       </p:pic>
+      <p:sp>
+        <p:nvSpPr>
+          <p:cNvPr id="5" name="Textfeld 4">
+            <a:extLst>
+              <a:ext uri="{FF2B5EF4-FFF2-40B4-BE49-F238E27FC236}">
+                <a16:creationId xmlns:a16="http://schemas.microsoft.com/office/drawing/2014/main" id="{67E0A370-5DC2-A432-78F7-8D12E537FDA3}"/>
+              </a:ext>
+            </a:extLst>
+          </p:cNvPr>
+          <p:cNvSpPr txBox="1"/>
+          <p:nvPr/>
+        </p:nvSpPr>
+        <p:spPr>
+          <a:xfrm>
+            <a:off x="1665179" y="1236608"/>
+            <a:ext cx="1101722" cy="584775"/>
+          </a:xfrm>
+          <a:prstGeom prst="rect">
+            <a:avLst/>
+          </a:prstGeom>
+          <a:solidFill>
+            <a:schemeClr val="bg1">
+              <a:lumMod val="85000"/>
+            </a:schemeClr>
+          </a:solidFill>
+          <a:ln>
+            <a:solidFill>
+              <a:schemeClr val="tx1">
+                <a:lumMod val="50000"/>
+                <a:lumOff val="50000"/>
+              </a:schemeClr>
+            </a:solidFill>
+          </a:ln>
+        </p:spPr>
+        <p:txBody>
+          <a:bodyPr wrap="square" rtlCol="0">
+            <a:spAutoFit/>
+          </a:bodyPr>
+          <a:lstStyle/>
+          <a:p>
+            <a:r>
+              <a:rPr lang="de-DE" sz="3200" dirty="0"/>
+              <a:t>Brain</a:t>
+            </a:r>
+          </a:p>
+        </p:txBody>
+      </p:sp>
+      <p:sp>
+        <p:nvSpPr>
+          <p:cNvPr id="6" name="Textfeld 5">
+            <a:extLst>
+              <a:ext uri="{FF2B5EF4-FFF2-40B4-BE49-F238E27FC236}">
+                <a16:creationId xmlns:a16="http://schemas.microsoft.com/office/drawing/2014/main" id="{E4FEC6F3-D6EE-4116-BED6-3376AD2046E3}"/>
+              </a:ext>
+            </a:extLst>
+          </p:cNvPr>
+          <p:cNvSpPr txBox="1"/>
+          <p:nvPr/>
+        </p:nvSpPr>
+        <p:spPr>
+          <a:xfrm>
+            <a:off x="2960679" y="1150876"/>
+            <a:ext cx="6816689" cy="923330"/>
+          </a:xfrm>
+          <a:prstGeom prst="rect">
+            <a:avLst/>
+          </a:prstGeom>
+          <a:noFill/>
+        </p:spPr>
+        <p:txBody>
+          <a:bodyPr wrap="square" rtlCol="0">
+            <a:spAutoFit/>
+          </a:bodyPr>
+          <a:lstStyle/>
+          <a:p>
+            <a:r>
+              <a:rPr lang="de-DE" dirty="0" err="1"/>
+              <a:t>Important</a:t>
+            </a:r>
+            <a:r>
+              <a:rPr lang="de-DE" dirty="0"/>
+              <a:t> </a:t>
+            </a:r>
+            <a:r>
+              <a:rPr lang="de-DE" dirty="0" err="1"/>
+              <a:t>steps</a:t>
+            </a:r>
+            <a:r>
+              <a:rPr lang="de-DE" dirty="0"/>
+              <a:t>: </a:t>
+            </a:r>
+          </a:p>
+          <a:p>
+            <a:pPr marL="342900" indent="-342900">
+              <a:buFont typeface="+mj-lt"/>
+              <a:buAutoNum type="arabicPeriod"/>
+            </a:pPr>
+            <a:r>
+              <a:rPr lang="de-DE" dirty="0"/>
+              <a:t>neuronal </a:t>
+            </a:r>
+            <a:r>
+              <a:rPr lang="de-DE" dirty="0" err="1"/>
+              <a:t>proliferation</a:t>
+            </a:r>
+            <a:r>
+              <a:rPr lang="de-DE" dirty="0"/>
+              <a:t> and </a:t>
+            </a:r>
+            <a:r>
+              <a:rPr lang="de-DE" dirty="0" err="1"/>
+              <a:t>differentiation</a:t>
+            </a:r>
+            <a:r>
+              <a:rPr lang="de-DE" dirty="0"/>
+              <a:t> (</a:t>
+            </a:r>
+            <a:r>
+              <a:rPr lang="de-DE" dirty="0" err="1"/>
+              <a:t>starting</a:t>
+            </a:r>
+            <a:r>
+              <a:rPr lang="de-DE" dirty="0"/>
+              <a:t> at </a:t>
+            </a:r>
+            <a:r>
+              <a:rPr lang="de-DE" dirty="0" err="1"/>
+              <a:t>week</a:t>
+            </a:r>
+            <a:r>
+              <a:rPr lang="de-DE" dirty="0"/>
+              <a:t> 4) </a:t>
+            </a:r>
+          </a:p>
+          <a:p>
+            <a:pPr marL="342900" indent="-342900">
+              <a:buFont typeface="+mj-lt"/>
+              <a:buAutoNum type="arabicPeriod"/>
+            </a:pPr>
+            <a:r>
+              <a:rPr lang="de-DE" dirty="0"/>
+              <a:t>neuronal </a:t>
+            </a:r>
+            <a:r>
+              <a:rPr lang="de-DE" dirty="0" err="1"/>
+              <a:t>migration</a:t>
+            </a:r>
+            <a:r>
+              <a:rPr lang="de-DE" dirty="0"/>
+              <a:t> and </a:t>
+            </a:r>
+            <a:r>
+              <a:rPr lang="de-DE" dirty="0" err="1"/>
+              <a:t>synapse</a:t>
+            </a:r>
+            <a:r>
+              <a:rPr lang="de-DE" dirty="0"/>
+              <a:t> </a:t>
+            </a:r>
+            <a:r>
+              <a:rPr lang="de-DE" dirty="0" err="1"/>
+              <a:t>formation</a:t>
+            </a:r>
+            <a:r>
+              <a:rPr lang="de-DE" dirty="0"/>
+              <a:t> (</a:t>
+            </a:r>
+            <a:r>
+              <a:rPr lang="de-DE" dirty="0" err="1"/>
+              <a:t>starting</a:t>
+            </a:r>
+            <a:r>
+              <a:rPr lang="de-DE" dirty="0"/>
+              <a:t> at </a:t>
+            </a:r>
+            <a:r>
+              <a:rPr lang="de-DE" dirty="0" err="1"/>
+              <a:t>week</a:t>
+            </a:r>
+            <a:r>
+              <a:rPr lang="de-DE" dirty="0"/>
+              <a:t> 9)</a:t>
+            </a:r>
+          </a:p>
+        </p:txBody>
+      </p:sp>
     </p:spTree>
     <p:extLst>
       <p:ext uri="{BB962C8B-B14F-4D97-AF65-F5344CB8AC3E}">
@@ -9603,6 +13359,112 @@
   <p:clrMapOvr>
     <a:masterClrMapping/>
   </p:clrMapOvr>
+  <p:timing>
+    <p:tnLst>
+      <p:par>
+        <p:cTn id="1" dur="indefinite" restart="never" nodeType="tmRoot">
+          <p:childTnLst>
+            <p:seq concurrent="1" nextAc="seek">
+              <p:cTn id="2" dur="indefinite" nodeType="mainSeq">
+                <p:childTnLst>
+                  <p:par>
+                    <p:cTn id="3" fill="hold">
+                      <p:stCondLst>
+                        <p:cond delay="indefinite"/>
+                      </p:stCondLst>
+                      <p:childTnLst>
+                        <p:par>
+                          <p:cTn id="4" fill="hold">
+                            <p:stCondLst>
+                              <p:cond delay="0"/>
+                            </p:stCondLst>
+                            <p:childTnLst>
+                              <p:par>
+                                <p:cTn id="5" presetID="1" presetClass="entr" presetSubtype="0" fill="hold" grpId="0" nodeType="clickEffect">
+                                  <p:stCondLst>
+                                    <p:cond delay="0"/>
+                                  </p:stCondLst>
+                                  <p:childTnLst>
+                                    <p:set>
+                                      <p:cBhvr>
+                                        <p:cTn id="6" dur="1" fill="hold">
+                                          <p:stCondLst>
+                                            <p:cond delay="0"/>
+                                          </p:stCondLst>
+                                        </p:cTn>
+                                        <p:tgtEl>
+                                          <p:spTgt spid="5"/>
+                                        </p:tgtEl>
+                                        <p:attrNameLst>
+                                          <p:attrName>style.visibility</p:attrName>
+                                        </p:attrNameLst>
+                                      </p:cBhvr>
+                                      <p:to>
+                                        <p:strVal val="visible"/>
+                                      </p:to>
+                                    </p:set>
+                                  </p:childTnLst>
+                                </p:cTn>
+                              </p:par>
+                              <p:par>
+                                <p:cTn id="7" presetID="1" presetClass="entr" presetSubtype="0" fill="hold" grpId="0" nodeType="withEffect">
+                                  <p:stCondLst>
+                                    <p:cond delay="0"/>
+                                  </p:stCondLst>
+                                  <p:childTnLst>
+                                    <p:set>
+                                      <p:cBhvr>
+                                        <p:cTn id="8" dur="1" fill="hold">
+                                          <p:stCondLst>
+                                            <p:cond delay="0"/>
+                                          </p:stCondLst>
+                                        </p:cTn>
+                                        <p:tgtEl>
+                                          <p:spTgt spid="6"/>
+                                        </p:tgtEl>
+                                        <p:attrNameLst>
+                                          <p:attrName>style.visibility</p:attrName>
+                                        </p:attrNameLst>
+                                      </p:cBhvr>
+                                      <p:to>
+                                        <p:strVal val="visible"/>
+                                      </p:to>
+                                    </p:set>
+                                  </p:childTnLst>
+                                </p:cTn>
+                              </p:par>
+                            </p:childTnLst>
+                          </p:cTn>
+                        </p:par>
+                      </p:childTnLst>
+                    </p:cTn>
+                  </p:par>
+                </p:childTnLst>
+              </p:cTn>
+              <p:prevCondLst>
+                <p:cond evt="onPrev" delay="0">
+                  <p:tgtEl>
+                    <p:sldTgt/>
+                  </p:tgtEl>
+                </p:cond>
+              </p:prevCondLst>
+              <p:nextCondLst>
+                <p:cond evt="onNext" delay="0">
+                  <p:tgtEl>
+                    <p:sldTgt/>
+                  </p:tgtEl>
+                </p:cond>
+              </p:nextCondLst>
+            </p:seq>
+          </p:childTnLst>
+        </p:cTn>
+      </p:par>
+    </p:tnLst>
+    <p:bldLst>
+      <p:bldP spid="5" grpId="0" animBg="1"/>
+      <p:bldP spid="6" grpId="0"/>
+    </p:bldLst>
+  </p:timing>
 </p:sld>
 </file>
 
@@ -10920,6 +14782,36 @@
           </a:prstGeom>
         </p:spPr>
       </p:pic>
+      <p:pic>
+        <p:nvPicPr>
+          <p:cNvPr id="4" name="Grafik 3">
+            <a:extLst>
+              <a:ext uri="{FF2B5EF4-FFF2-40B4-BE49-F238E27FC236}">
+                <a16:creationId xmlns:a16="http://schemas.microsoft.com/office/drawing/2014/main" id="{8F73FDD2-D62F-A2E5-19E1-F324360EF39D}"/>
+              </a:ext>
+            </a:extLst>
+          </p:cNvPr>
+          <p:cNvPicPr>
+            <a:picLocks noChangeAspect="1"/>
+          </p:cNvPicPr>
+          <p:nvPr/>
+        </p:nvPicPr>
+        <p:blipFill>
+          <a:blip r:embed="rId11"/>
+          <a:stretch>
+            <a:fillRect/>
+          </a:stretch>
+        </p:blipFill>
+        <p:spPr>
+          <a:xfrm>
+            <a:off x="1832329" y="1061881"/>
+            <a:ext cx="7378044" cy="5343332"/>
+          </a:xfrm>
+          <a:prstGeom prst="rect">
+            <a:avLst/>
+          </a:prstGeom>
+        </p:spPr>
+      </p:pic>
     </p:spTree>
     <p:extLst>
       <p:ext uri="{BB962C8B-B14F-4D97-AF65-F5344CB8AC3E}">
@@ -11706,22 +15598,70 @@
           <a:bodyPr/>
           <a:lstStyle/>
           <a:p>
-            <a:pPr defTabSz="548640"/>
+            <a:pPr marL="0" marR="0" lvl="0" indent="0" algn="l" defTabSz="548640" rtl="0" eaLnBrk="1" fontAlgn="auto" latinLnBrk="0" hangingPunct="1">
+              <a:lnSpc>
+                <a:spcPct val="100000"/>
+              </a:lnSpc>
+              <a:spcBef>
+                <a:spcPts val="0"/>
+              </a:spcBef>
+              <a:spcAft>
+                <a:spcPts val="0"/>
+              </a:spcAft>
+              <a:buClrTx/>
+              <a:buSzTx/>
+              <a:buFontTx/>
+              <a:buNone/>
+              <a:tabLst/>
+              <a:defRPr/>
+            </a:pPr>
             <a:fld id="{4ABD6D1D-9BE7-4B6A-B4D1-FD497C782274}" type="datetime1">
-              <a:rPr lang="de-DE">
+              <a:rPr kumimoji="0" lang="de-DE" sz="1080" b="0" i="0" u="none" strike="noStrike" kern="1200" cap="none" spc="0" normalizeH="0" baseline="0" noProof="0">
+                <a:ln>
+                  <a:noFill/>
+                </a:ln>
                 <a:solidFill>
                   <a:srgbClr val="2E4186"/>
                 </a:solidFill>
+                <a:effectLst/>
+                <a:uLnTx/>
+                <a:uFillTx/>
                 <a:latin typeface="Calibri" panose="020F0502020204030204"/>
+                <a:ea typeface="+mn-ea"/>
+                <a:cs typeface="+mn-cs"/>
               </a:rPr>
-              <a:pPr defTabSz="548640"/>
+              <a:pPr marL="0" marR="0" lvl="0" indent="0" algn="l" defTabSz="548640" rtl="0" eaLnBrk="1" fontAlgn="auto" latinLnBrk="0" hangingPunct="1">
+                <a:lnSpc>
+                  <a:spcPct val="100000"/>
+                </a:lnSpc>
+                <a:spcBef>
+                  <a:spcPts val="0"/>
+                </a:spcBef>
+                <a:spcAft>
+                  <a:spcPts val="0"/>
+                </a:spcAft>
+                <a:buClrTx/>
+                <a:buSzTx/>
+                <a:buFontTx/>
+                <a:buNone/>
+                <a:tabLst/>
+                <a:defRPr/>
+              </a:pPr>
               <a:t>17.07.22</a:t>
             </a:fld>
-            <a:endParaRPr lang="de-DE" dirty="0">
+            <a:endParaRPr kumimoji="0" lang="de-DE" sz="1080" b="0" i="0" u="none" strike="noStrike" kern="1200" cap="none" spc="0" normalizeH="0" baseline="0" noProof="0" dirty="0">
+              <a:ln>
+                <a:noFill/>
+              </a:ln>
               <a:solidFill>
                 <a:srgbClr val="2E4186"/>
               </a:solidFill>
+              <a:effectLst/>
+              <a:uLnTx/>
+              <a:uFillTx/>
               <a:latin typeface="Calibri" panose="020F0502020204030204"/>
+              <a:ea typeface="+mn-ea"/>
+              <a:cs typeface="+mn-cs"/>
             </a:endParaRPr>
           </a:p>
         </p:txBody>
@@ -11754,13 +15694,37 @@
           </a:bodyPr>
           <a:lstStyle/>
           <a:p>
-            <a:pPr defTabSz="548640"/>
-            <a:r>
-              <a:rPr lang="de-DE" sz="3840" dirty="0">
+            <a:pPr marL="0" marR="0" lvl="0" indent="0" algn="l" defTabSz="548640" rtl="0" eaLnBrk="1" fontAlgn="auto" latinLnBrk="0" hangingPunct="1">
+              <a:lnSpc>
+                <a:spcPct val="100000"/>
+              </a:lnSpc>
+              <a:spcBef>
+                <a:spcPts val="0"/>
+              </a:spcBef>
+              <a:spcAft>
+                <a:spcPts val="0"/>
+              </a:spcAft>
+              <a:buClrTx/>
+              <a:buSzTx/>
+              <a:buFontTx/>
+              <a:buNone/>
+              <a:tabLst/>
+              <a:defRPr/>
+            </a:pPr>
+            <a:r>
+              <a:rPr kumimoji="0" lang="de-DE" sz="3840" b="0" i="0" u="none" strike="noStrike" kern="1200" cap="none" spc="0" normalizeH="0" baseline="0" noProof="0" dirty="0">
+                <a:ln>
+                  <a:noFill/>
+                </a:ln>
                 <a:solidFill>
                   <a:prstClr val="black"/>
                 </a:solidFill>
+                <a:effectLst/>
+                <a:uLnTx/>
+                <a:uFillTx/>
                 <a:latin typeface="Calibri Light" panose="020F0302020204030204"/>
+                <a:ea typeface="+mn-ea"/>
+                <a:cs typeface="+mn-cs"/>
               </a:rPr>
               <a:t>Hypothesis</a:t>
             </a:r>
@@ -11893,12 +15857,36 @@
           </a:bodyPr>
           <a:lstStyle/>
           <a:p>
-            <a:pPr defTabSz="548640"/>
-            <a:endParaRPr lang="de-DE" sz="2160">
+            <a:pPr marL="0" marR="0" lvl="0" indent="0" algn="l" defTabSz="548640" rtl="0" eaLnBrk="1" fontAlgn="auto" latinLnBrk="0" hangingPunct="1">
+              <a:lnSpc>
+                <a:spcPct val="100000"/>
+              </a:lnSpc>
+              <a:spcBef>
+                <a:spcPts val="0"/>
+              </a:spcBef>
+              <a:spcAft>
+                <a:spcPts val="0"/>
+              </a:spcAft>
+              <a:buClrTx/>
+              <a:buSzTx/>
+              <a:buFontTx/>
+              <a:buNone/>
+              <a:tabLst/>
+              <a:defRPr/>
+            </a:pPr>
+            <a:endParaRPr kumimoji="0" lang="de-DE" sz="2160" b="0" i="0" u="none" strike="noStrike" kern="1200" cap="none" spc="0" normalizeH="0" baseline="0" noProof="0">
+              <a:ln>
+                <a:noFill/>
+              </a:ln>
               <a:solidFill>
                 <a:prstClr val="white"/>
               </a:solidFill>
+              <a:effectLst/>
+              <a:uLnTx/>
+              <a:uFillTx/>
               <a:latin typeface="Calibri" panose="020F0502020204030204"/>
+              <a:ea typeface="+mn-ea"/>
+              <a:cs typeface="+mn-cs"/>
             </a:endParaRPr>
           </a:p>
         </p:txBody>
@@ -11929,22 +15917,70 @@
           <a:bodyPr/>
           <a:lstStyle/>
           <a:p>
-            <a:pPr defTabSz="548640"/>
+            <a:pPr marL="0" marR="0" lvl="0" indent="0" algn="r" defTabSz="548640" rtl="0" eaLnBrk="1" fontAlgn="auto" latinLnBrk="0" hangingPunct="1">
+              <a:lnSpc>
+                <a:spcPct val="100000"/>
+              </a:lnSpc>
+              <a:spcBef>
+                <a:spcPts val="0"/>
+              </a:spcBef>
+              <a:spcAft>
+                <a:spcPts val="0"/>
+              </a:spcAft>
+              <a:buClrTx/>
+              <a:buSzTx/>
+              <a:buFontTx/>
+              <a:buNone/>
+              <a:tabLst/>
+              <a:defRPr/>
+            </a:pPr>
             <a:fld id="{D3D8A29C-259F-45D5-BFFA-A48772AC905C}" type="slidenum">
-              <a:rPr lang="de-DE">
+              <a:rPr kumimoji="0" lang="de-DE" sz="1080" b="0" i="0" u="none" strike="noStrike" kern="1200" cap="none" spc="0" normalizeH="0" baseline="0" noProof="0">
+                <a:ln>
+                  <a:noFill/>
+                </a:ln>
                 <a:solidFill>
                   <a:srgbClr val="2E4186"/>
                 </a:solidFill>
+                <a:effectLst/>
+                <a:uLnTx/>
+                <a:uFillTx/>
                 <a:latin typeface="Calibri" panose="020F0502020204030204"/>
+                <a:ea typeface="+mn-ea"/>
+                <a:cs typeface="+mn-cs"/>
               </a:rPr>
-              <a:pPr defTabSz="548640"/>
+              <a:pPr marL="0" marR="0" lvl="0" indent="0" algn="r" defTabSz="548640" rtl="0" eaLnBrk="1" fontAlgn="auto" latinLnBrk="0" hangingPunct="1">
+                <a:lnSpc>
+                  <a:spcPct val="100000"/>
+                </a:lnSpc>
+                <a:spcBef>
+                  <a:spcPts val="0"/>
+                </a:spcBef>
+                <a:spcAft>
+                  <a:spcPts val="0"/>
+                </a:spcAft>
+                <a:buClrTx/>
+                <a:buSzTx/>
+                <a:buFontTx/>
+                <a:buNone/>
+                <a:tabLst/>
+                <a:defRPr/>
+              </a:pPr>
               <a:t>8</a:t>
             </a:fld>
-            <a:endParaRPr lang="de-DE" dirty="0">
+            <a:endParaRPr kumimoji="0" lang="de-DE" sz="1080" b="0" i="0" u="none" strike="noStrike" kern="1200" cap="none" spc="0" normalizeH="0" baseline="0" noProof="0" dirty="0">
+              <a:ln>
+                <a:noFill/>
+              </a:ln>
               <a:solidFill>
                 <a:srgbClr val="2E4186"/>
               </a:solidFill>
+              <a:effectLst/>
+              <a:uLnTx/>
+              <a:uFillTx/>
               <a:latin typeface="Calibri" panose="020F0502020204030204"/>
+              <a:ea typeface="+mn-ea"/>
+              <a:cs typeface="+mn-cs"/>
             </a:endParaRPr>
           </a:p>
         </p:txBody>
@@ -12217,10 +16253,153 @@
           </a:prstGeom>
         </p:spPr>
       </p:pic>
+      <p:sp>
+        <p:nvSpPr>
+          <p:cNvPr id="3" name="Textfeld 2">
+            <a:extLst>
+              <a:ext uri="{FF2B5EF4-FFF2-40B4-BE49-F238E27FC236}">
+                <a16:creationId xmlns:a16="http://schemas.microsoft.com/office/drawing/2014/main" id="{5D114A43-7124-0108-1BFF-29DB2D219E45}"/>
+              </a:ext>
+            </a:extLst>
+          </p:cNvPr>
+          <p:cNvSpPr txBox="1"/>
+          <p:nvPr/>
+        </p:nvSpPr>
+        <p:spPr>
+          <a:xfrm>
+            <a:off x="3954483" y="2137558"/>
+            <a:ext cx="4334494" cy="1291442"/>
+          </a:xfrm>
+          <a:prstGeom prst="rect">
+            <a:avLst/>
+          </a:prstGeom>
+          <a:noFill/>
+        </p:spPr>
+        <p:txBody>
+          <a:bodyPr wrap="square" rtlCol="0">
+            <a:spAutoFit/>
+          </a:bodyPr>
+          <a:lstStyle/>
+          <a:p>
+            <a:pPr marL="0" marR="0" lvl="0" indent="0" algn="l" defTabSz="914400" rtl="0" eaLnBrk="1" fontAlgn="auto" latinLnBrk="0" hangingPunct="1">
+              <a:lnSpc>
+                <a:spcPct val="100000"/>
+              </a:lnSpc>
+              <a:spcBef>
+                <a:spcPts val="0"/>
+              </a:spcBef>
+              <a:spcAft>
+                <a:spcPts val="0"/>
+              </a:spcAft>
+              <a:buClrTx/>
+              <a:buSzTx/>
+              <a:buFontTx/>
+              <a:buNone/>
+              <a:tabLst/>
+              <a:defRPr/>
+            </a:pPr>
+            <a:endParaRPr kumimoji="0" lang="de-DE" sz="1800" b="0" i="0" u="none" strike="noStrike" kern="1200" cap="none" spc="0" normalizeH="0" baseline="0" noProof="0" dirty="0">
+              <a:ln>
+                <a:noFill/>
+              </a:ln>
+              <a:solidFill>
+                <a:prstClr val="black"/>
+              </a:solidFill>
+              <a:effectLst/>
+              <a:uLnTx/>
+              <a:uFillTx/>
+              <a:latin typeface="Calibri" panose="020F0502020204030204"/>
+              <a:ea typeface="+mn-ea"/>
+              <a:cs typeface="+mn-cs"/>
+            </a:endParaRPr>
+          </a:p>
+        </p:txBody>
+      </p:sp>
+      <p:sp>
+        <p:nvSpPr>
+          <p:cNvPr id="5" name="Textfeld 4">
+            <a:extLst>
+              <a:ext uri="{FF2B5EF4-FFF2-40B4-BE49-F238E27FC236}">
+                <a16:creationId xmlns:a16="http://schemas.microsoft.com/office/drawing/2014/main" id="{51E44985-1700-EA1E-7830-B8BD60CC8A55}"/>
+              </a:ext>
+            </a:extLst>
+          </p:cNvPr>
+          <p:cNvSpPr txBox="1"/>
+          <p:nvPr/>
+        </p:nvSpPr>
+        <p:spPr>
+          <a:xfrm>
+            <a:off x="2243850" y="2696768"/>
+            <a:ext cx="8964330" cy="1323439"/>
+          </a:xfrm>
+          <a:prstGeom prst="rect">
+            <a:avLst/>
+          </a:prstGeom>
+          <a:noFill/>
+        </p:spPr>
+        <p:txBody>
+          <a:bodyPr wrap="square" rtlCol="0">
+            <a:spAutoFit/>
+          </a:bodyPr>
+          <a:lstStyle/>
+          <a:p>
+            <a:pPr algn="ctr"/>
+            <a:r>
+              <a:rPr lang="de-DE" sz="4000" dirty="0"/>
+              <a:t>Brain </a:t>
+            </a:r>
+            <a:r>
+              <a:rPr lang="de-DE" sz="4000" dirty="0" err="1"/>
+              <a:t>subtissue-specific</a:t>
+            </a:r>
+            <a:r>
+              <a:rPr lang="de-DE" sz="4000" dirty="0"/>
+              <a:t> </a:t>
+            </a:r>
+            <a:r>
+              <a:rPr lang="de-DE" sz="4000" dirty="0" err="1"/>
+              <a:t>gene</a:t>
+            </a:r>
+            <a:r>
+              <a:rPr lang="de-DE" sz="4000" dirty="0"/>
+              <a:t> </a:t>
+            </a:r>
+            <a:r>
+              <a:rPr lang="de-DE" sz="4000" dirty="0" err="1"/>
+              <a:t>expression</a:t>
+            </a:r>
+            <a:r>
+              <a:rPr lang="de-DE" sz="4000" dirty="0"/>
+              <a:t> </a:t>
+            </a:r>
+            <a:r>
+              <a:rPr lang="de-DE" sz="4000" dirty="0" err="1"/>
+              <a:t>reflects</a:t>
+            </a:r>
+            <a:r>
+              <a:rPr lang="de-DE" sz="4000" dirty="0"/>
+              <a:t> neuronal </a:t>
+            </a:r>
+            <a:r>
+              <a:rPr lang="de-DE" sz="4000" dirty="0" err="1"/>
+              <a:t>development</a:t>
+            </a:r>
+            <a:r>
+              <a:rPr lang="de-DE" sz="4000" dirty="0"/>
+              <a:t> </a:t>
+            </a:r>
+            <a:r>
+              <a:rPr lang="de-DE" sz="4000" dirty="0" err="1"/>
+              <a:t>processes</a:t>
+            </a:r>
+            <a:endParaRPr lang="de-DE" sz="4000" dirty="0"/>
+          </a:p>
+        </p:txBody>
+      </p:sp>
     </p:spTree>
     <p:extLst>
       <p:ext uri="{BB962C8B-B14F-4D97-AF65-F5344CB8AC3E}">
-        <p14:creationId xmlns:p14="http://schemas.microsoft.com/office/powerpoint/2010/main" val="2800245590"/>
+        <p14:creationId xmlns:p14="http://schemas.microsoft.com/office/powerpoint/2010/main" val="707742989"/>
       </p:ext>
     </p:extLst>
   </p:cSld>
@@ -12325,6 +16504,62 @@
           </a:p>
         </p:txBody>
       </p:sp>
+      <p:sp>
+        <p:nvSpPr>
+          <p:cNvPr id="13" name="Textfeld 12">
+            <a:extLst>
+              <a:ext uri="{FF2B5EF4-FFF2-40B4-BE49-F238E27FC236}">
+                <a16:creationId xmlns:a16="http://schemas.microsoft.com/office/drawing/2014/main" id="{88E434CB-53F2-43DE-989A-34F83773913E}"/>
+              </a:ext>
+            </a:extLst>
+          </p:cNvPr>
+          <p:cNvSpPr txBox="1"/>
+          <p:nvPr/>
+        </p:nvSpPr>
+        <p:spPr>
+          <a:xfrm>
+            <a:off x="1636108" y="355134"/>
+            <a:ext cx="8625575" cy="683264"/>
+          </a:xfrm>
+          <a:prstGeom prst="rect">
+            <a:avLst/>
+          </a:prstGeom>
+          <a:noFill/>
+        </p:spPr>
+        <p:txBody>
+          <a:bodyPr wrap="square" rtlCol="0">
+            <a:spAutoFit/>
+          </a:bodyPr>
+          <a:lstStyle/>
+          <a:p>
+            <a:pPr defTabSz="548640"/>
+            <a:r>
+              <a:rPr lang="de-DE" sz="3840" dirty="0">
+                <a:solidFill>
+                  <a:prstClr val="black"/>
+                </a:solidFill>
+                <a:latin typeface="Calibri Light" panose="020F0302020204030204"/>
+              </a:rPr>
+              <a:t>Ion </a:t>
+            </a:r>
+            <a:r>
+              <a:rPr lang="de-DE" sz="3840" dirty="0" err="1">
+                <a:solidFill>
+                  <a:prstClr val="black"/>
+                </a:solidFill>
+                <a:latin typeface="Calibri Light" panose="020F0302020204030204"/>
+              </a:rPr>
+              <a:t>channels</a:t>
+            </a:r>
+            <a:endParaRPr lang="de-DE" sz="3840" dirty="0">
+              <a:solidFill>
+                <a:prstClr val="black"/>
+              </a:solidFill>
+              <a:latin typeface="Calibri Light" panose="020F0302020204030204"/>
+            </a:endParaRPr>
+          </a:p>
+        </p:txBody>
+      </p:sp>
       <p:cxnSp>
         <p:nvCxnSpPr>
           <p:cNvPr id="14" name="Gerader Verbinder 13">
@@ -12398,22 +16633,22 @@
               <a:gs pos="98000">
                 <a:schemeClr val="bg1"/>
               </a:gs>
-              <a:gs pos="94000">
-                <a:srgbClr val="12D4E8"/>
-              </a:gs>
-              <a:gs pos="90000">
-                <a:srgbClr val="10A1EA"/>
-              </a:gs>
-              <a:gs pos="54000">
+              <a:gs pos="85000">
                 <a:srgbClr val="12D4E8"/>
               </a:gs>
               <a:gs pos="77000">
+                <a:srgbClr val="10A1EA"/>
+              </a:gs>
+              <a:gs pos="32000">
+                <a:srgbClr val="12D4E8"/>
+              </a:gs>
+              <a:gs pos="56000">
                 <a:srgbClr val="175CF5"/>
               </a:gs>
-              <a:gs pos="68000">
+              <a:gs pos="46000">
                 <a:srgbClr val="10A1EA"/>
               </a:gs>
-              <a:gs pos="85000">
+              <a:gs pos="65000">
                 <a:srgbClr val="175CF5"/>
               </a:gs>
             </a:gsLst>
@@ -12703,10 +16938,10 @@
       </p:pic>
       <p:pic>
         <p:nvPicPr>
-          <p:cNvPr id="16" name="Grafik 15" descr="Puzzle Silhouette">
-            <a:extLst>
-              <a:ext uri="{FF2B5EF4-FFF2-40B4-BE49-F238E27FC236}">
-                <a16:creationId xmlns:a16="http://schemas.microsoft.com/office/drawing/2014/main" id="{CF0882A4-FA26-B70B-DA06-09E5A28796D1}"/>
+          <p:cNvPr id="15" name="Grafik 14" descr="Puzzle mit einfarbiger Füllung">
+            <a:extLst>
+              <a:ext uri="{FF2B5EF4-FFF2-40B4-BE49-F238E27FC236}">
+                <a16:creationId xmlns:a16="http://schemas.microsoft.com/office/drawing/2014/main" id="{C5F5028C-73FB-7E95-C5E7-F20057320CD1}"/>
               </a:ext>
             </a:extLst>
           </p:cNvPr>
@@ -12732,8 +16967,43 @@
         </p:blipFill>
         <p:spPr>
           <a:xfrm>
-            <a:off x="797064" y="3881645"/>
-            <a:ext cx="488306" cy="488306"/>
+            <a:off x="790722" y="3881647"/>
+            <a:ext cx="488305" cy="488305"/>
+          </a:xfrm>
+          <a:prstGeom prst="rect">
+            <a:avLst/>
+          </a:prstGeom>
+        </p:spPr>
+      </p:pic>
+      <p:pic>
+        <p:nvPicPr>
+          <p:cNvPr id="4" name="Grafik 3">
+            <a:extLst>
+              <a:ext uri="{FF2B5EF4-FFF2-40B4-BE49-F238E27FC236}">
+                <a16:creationId xmlns:a16="http://schemas.microsoft.com/office/drawing/2014/main" id="{11DBC4CA-39DB-830F-06E5-4F8E60C21269}"/>
+              </a:ext>
+            </a:extLst>
+          </p:cNvPr>
+          <p:cNvPicPr>
+            <a:picLocks noChangeAspect="1"/>
+          </p:cNvPicPr>
+          <p:nvPr/>
+        </p:nvPicPr>
+        <p:blipFill>
+          <a:blip r:embed="rId9">
+            <a:extLst>
+              <a:ext uri="{96DAC541-7B7A-43D3-8B79-37D633B846F1}">
+                <asvg:svgBlip xmlns:asvg="http://schemas.microsoft.com/office/drawing/2016/SVG/main" r:embed="rId10"/>
+              </a:ext>
+            </a:extLst>
+          </a:blip>
+          <a:srcRect/>
+          <a:stretch/>
+        </p:blipFill>
+        <p:spPr>
+          <a:xfrm>
+            <a:off x="849267" y="5387093"/>
+            <a:ext cx="385774" cy="385774"/>
           </a:xfrm>
           <a:prstGeom prst="rect">
             <a:avLst/>
@@ -12742,80 +17012,20 @@
       </p:pic>
       <p:sp>
         <p:nvSpPr>
-          <p:cNvPr id="18" name="Rechteck 17">
-            <a:extLst>
-              <a:ext uri="{FF2B5EF4-FFF2-40B4-BE49-F238E27FC236}">
-                <a16:creationId xmlns:a16="http://schemas.microsoft.com/office/drawing/2014/main" id="{507A628C-2460-FC78-1BB8-3C1512939DF1}"/>
-              </a:ext>
-            </a:extLst>
-          </p:cNvPr>
-          <p:cNvSpPr/>
+          <p:cNvPr id="5" name="Textfeld 4">
+            <a:extLst>
+              <a:ext uri="{FF2B5EF4-FFF2-40B4-BE49-F238E27FC236}">
+                <a16:creationId xmlns:a16="http://schemas.microsoft.com/office/drawing/2014/main" id="{917EE7A3-D13F-DB1E-8056-064BE811E6FC}"/>
+              </a:ext>
+            </a:extLst>
+          </p:cNvPr>
+          <p:cNvSpPr txBox="1"/>
           <p:nvPr/>
         </p:nvSpPr>
         <p:spPr>
           <a:xfrm>
-            <a:off x="1492397" y="1019285"/>
-            <a:ext cx="9096403" cy="5461243"/>
-          </a:xfrm>
-          <a:prstGeom prst="rect">
-            <a:avLst/>
-          </a:prstGeom>
-          <a:solidFill>
-            <a:srgbClr val="10A1EA"/>
-          </a:solidFill>
-          <a:ln>
-            <a:noFill/>
-          </a:ln>
-          <a:effectLst>
-            <a:softEdge rad="736600"/>
-          </a:effectLst>
-        </p:spPr>
-        <p:style>
-          <a:lnRef idx="2">
-            <a:schemeClr val="accent1">
-              <a:shade val="50000"/>
-            </a:schemeClr>
-          </a:lnRef>
-          <a:fillRef idx="1">
-            <a:schemeClr val="accent1"/>
-          </a:fillRef>
-          <a:effectRef idx="0">
-            <a:schemeClr val="accent1"/>
-          </a:effectRef>
-          <a:fontRef idx="minor">
-            <a:schemeClr val="lt1"/>
-          </a:fontRef>
-        </p:style>
-        <p:txBody>
-          <a:bodyPr rtlCol="0" anchor="ctr"/>
-          <a:lstStyle/>
-          <a:p>
-            <a:pPr algn="ctr" defTabSz="548640"/>
-            <a:endParaRPr lang="de-DE" sz="2160">
-              <a:solidFill>
-                <a:prstClr val="white"/>
-              </a:solidFill>
-              <a:latin typeface="Calibri" panose="020F0502020204030204"/>
-            </a:endParaRPr>
-          </a:p>
-        </p:txBody>
-      </p:sp>
-      <p:sp>
-        <p:nvSpPr>
-          <p:cNvPr id="3" name="Textfeld 2">
-            <a:extLst>
-              <a:ext uri="{FF2B5EF4-FFF2-40B4-BE49-F238E27FC236}">
-                <a16:creationId xmlns:a16="http://schemas.microsoft.com/office/drawing/2014/main" id="{4A99D1D5-0482-1974-8FE3-1BE290738273}"/>
-              </a:ext>
-            </a:extLst>
-          </p:cNvPr>
-          <p:cNvSpPr txBox="1"/>
-          <p:nvPr/>
-        </p:nvSpPr>
-        <p:spPr>
-          <a:xfrm>
-            <a:off x="1409659" y="1594765"/>
-            <a:ext cx="8852023" cy="2737191"/>
+            <a:off x="7865869" y="2385548"/>
+            <a:ext cx="4215741" cy="646331"/>
           </a:xfrm>
           <a:prstGeom prst="rect">
             <a:avLst/>
@@ -12828,58 +17038,158 @@
           </a:bodyPr>
           <a:lstStyle/>
           <a:p>
-            <a:pPr algn="ctr"/>
-            <a:r>
-              <a:rPr lang="de-DE" sz="8640" b="1" dirty="0">
-                <a:solidFill>
-                  <a:schemeClr val="bg1"/>
-                </a:solidFill>
-                <a:latin typeface="+mj-lt"/>
-              </a:rPr>
-              <a:t>Take </a:t>
-            </a:r>
-            <a:r>
-              <a:rPr lang="de-DE" sz="8640" b="1" dirty="0" err="1">
-                <a:solidFill>
-                  <a:schemeClr val="bg1"/>
-                </a:solidFill>
-                <a:latin typeface="+mj-lt"/>
-              </a:rPr>
-              <a:t>home</a:t>
-            </a:r>
-            <a:r>
-              <a:rPr lang="de-DE" sz="8640" b="1" dirty="0">
-                <a:solidFill>
-                  <a:schemeClr val="bg1"/>
-                </a:solidFill>
-                <a:latin typeface="+mj-lt"/>
-              </a:rPr>
+            <a:r>
+              <a:rPr lang="de-DE" dirty="0"/>
+              <a:t>SLN </a:t>
+            </a:r>
+            <a:r>
+              <a:rPr lang="de-DE" dirty="0" err="1"/>
+              <a:t>sarcolipin</a:t>
+            </a:r>
+            <a:r>
+              <a:rPr lang="de-DE" dirty="0"/>
               <a:t> </a:t>
             </a:r>
-            <a:r>
-              <a:rPr lang="de-DE" sz="8640" b="1" dirty="0" err="1">
-                <a:solidFill>
-                  <a:schemeClr val="bg1"/>
-                </a:solidFill>
-                <a:latin typeface="+mj-lt"/>
-              </a:rPr>
-              <a:t>message</a:t>
-            </a:r>
-            <a:endParaRPr lang="de-DE" sz="8640" b="1" dirty="0">
-              <a:solidFill>
-                <a:schemeClr val="bg1"/>
-              </a:solidFill>
-              <a:latin typeface="+mj-lt"/>
-            </a:endParaRPr>
+          </a:p>
+          <a:p>
+            <a:r>
+              <a:rPr lang="de-DE" dirty="0"/>
+              <a:t>(</a:t>
+            </a:r>
+            <a:r>
+              <a:rPr lang="de-DE" dirty="0" err="1"/>
+              <a:t>Sarcoplasmic</a:t>
+            </a:r>
+            <a:r>
+              <a:rPr lang="de-DE" dirty="0"/>
+              <a:t> </a:t>
+            </a:r>
+            <a:r>
+              <a:rPr lang="de-DE" dirty="0" err="1"/>
+              <a:t>reticulum</a:t>
+            </a:r>
+            <a:r>
+              <a:rPr lang="de-DE" dirty="0"/>
+              <a:t> Ca(2+)-</a:t>
+            </a:r>
+            <a:r>
+              <a:rPr lang="de-DE" dirty="0" err="1"/>
+              <a:t>ATPases</a:t>
+            </a:r>
+            <a:r>
+              <a:rPr lang="de-DE" dirty="0"/>
+              <a:t>)</a:t>
+            </a:r>
+          </a:p>
+        </p:txBody>
+      </p:sp>
+      <p:cxnSp>
+        <p:nvCxnSpPr>
+          <p:cNvPr id="7" name="Gerade Verbindung mit Pfeil 6">
+            <a:extLst>
+              <a:ext uri="{FF2B5EF4-FFF2-40B4-BE49-F238E27FC236}">
+                <a16:creationId xmlns:a16="http://schemas.microsoft.com/office/drawing/2014/main" id="{682FC8BD-32BB-346D-6492-05C993E2B840}"/>
+              </a:ext>
+            </a:extLst>
+          </p:cNvPr>
+          <p:cNvCxnSpPr/>
+          <p:nvPr/>
+        </p:nvCxnSpPr>
+        <p:spPr>
+          <a:xfrm flipH="1">
+            <a:off x="9635799" y="3057798"/>
+            <a:ext cx="143443" cy="939335"/>
+          </a:xfrm>
+          <a:prstGeom prst="straightConnector1">
+            <a:avLst/>
+          </a:prstGeom>
+          <a:ln>
+            <a:solidFill>
+              <a:schemeClr val="tx1"/>
+            </a:solidFill>
+            <a:tailEnd type="triangle"/>
+          </a:ln>
+        </p:spPr>
+        <p:style>
+          <a:lnRef idx="1">
+            <a:schemeClr val="dk1"/>
+          </a:lnRef>
+          <a:fillRef idx="0">
+            <a:schemeClr val="dk1"/>
+          </a:fillRef>
+          <a:effectRef idx="0">
+            <a:schemeClr val="dk1"/>
+          </a:effectRef>
+          <a:fontRef idx="minor">
+            <a:schemeClr val="tx1"/>
+          </a:fontRef>
+        </p:style>
+      </p:cxnSp>
+      <p:sp>
+        <p:nvSpPr>
+          <p:cNvPr id="8" name="Textfeld 7">
+            <a:extLst>
+              <a:ext uri="{FF2B5EF4-FFF2-40B4-BE49-F238E27FC236}">
+                <a16:creationId xmlns:a16="http://schemas.microsoft.com/office/drawing/2014/main" id="{48F7CD0F-4BC4-EB9B-7956-4AE4494FE191}"/>
+              </a:ext>
+            </a:extLst>
+          </p:cNvPr>
+          <p:cNvSpPr txBox="1"/>
+          <p:nvPr/>
+        </p:nvSpPr>
+        <p:spPr>
+          <a:xfrm>
+            <a:off x="8512481" y="4071415"/>
+            <a:ext cx="2695699" cy="671832"/>
+          </a:xfrm>
+          <a:prstGeom prst="rect">
+            <a:avLst/>
+          </a:prstGeom>
+          <a:noFill/>
+        </p:spPr>
+        <p:txBody>
+          <a:bodyPr wrap="square" rtlCol="0">
+            <a:spAutoFit/>
+          </a:bodyPr>
+          <a:lstStyle/>
+          <a:p>
+            <a:r>
+              <a:rPr lang="de-DE" dirty="0"/>
+              <a:t>neuronal </a:t>
+            </a:r>
+            <a:r>
+              <a:rPr lang="de-DE" dirty="0" err="1"/>
+              <a:t>migration</a:t>
+            </a:r>
+            <a:r>
+              <a:rPr lang="de-DE" dirty="0"/>
+              <a:t> </a:t>
+            </a:r>
+            <a:r>
+              <a:rPr lang="de-DE" dirty="0" err="1"/>
+              <a:t>starting</a:t>
+            </a:r>
+            <a:r>
+              <a:rPr lang="de-DE" dirty="0"/>
+              <a:t> </a:t>
+            </a:r>
+            <a:r>
+              <a:rPr lang="de-DE" dirty="0" err="1"/>
+              <a:t>week</a:t>
+            </a:r>
+            <a:r>
+              <a:rPr lang="de-DE" dirty="0"/>
+              <a:t> 9</a:t>
+            </a:r>
           </a:p>
         </p:txBody>
       </p:sp>
       <p:pic>
         <p:nvPicPr>
-          <p:cNvPr id="4" name="Grafik 3">
-            <a:extLst>
-              <a:ext uri="{FF2B5EF4-FFF2-40B4-BE49-F238E27FC236}">
-                <a16:creationId xmlns:a16="http://schemas.microsoft.com/office/drawing/2014/main" id="{9461B44A-75E7-D9D9-FEEC-EDC931D6A0AD}"/>
+          <p:cNvPr id="10" name="Grafik 9">
+            <a:extLst>
+              <a:ext uri="{FF2B5EF4-FFF2-40B4-BE49-F238E27FC236}">
+                <a16:creationId xmlns:a16="http://schemas.microsoft.com/office/drawing/2014/main" id="{9147B1DC-CFC6-C529-1D1B-8D06790CF179}"/>
               </a:ext>
             </a:extLst>
           </p:cNvPr>
@@ -12889,55 +17199,15 @@
           <p:nvPr/>
         </p:nvPicPr>
         <p:blipFill>
-          <a:blip r:embed="rId9">
-            <a:extLst>
-              <a:ext uri="{96DAC541-7B7A-43D3-8B79-37D633B846F1}">
-                <asvg:svgBlip xmlns:asvg="http://schemas.microsoft.com/office/drawing/2016/SVG/main" r:embed="rId10"/>
-              </a:ext>
-            </a:extLst>
-          </a:blip>
-          <a:srcRect/>
-          <a:stretch/>
+          <a:blip r:embed="rId11"/>
+          <a:stretch>
+            <a:fillRect/>
+          </a:stretch>
         </p:blipFill>
         <p:spPr>
           <a:xfrm>
-            <a:off x="5415504" y="4282341"/>
-            <a:ext cx="1250187" cy="1250187"/>
-          </a:xfrm>
-          <a:prstGeom prst="rect">
-            <a:avLst/>
-          </a:prstGeom>
-        </p:spPr>
-      </p:pic>
-      <p:pic>
-        <p:nvPicPr>
-          <p:cNvPr id="5" name="Grafik 4">
-            <a:extLst>
-              <a:ext uri="{FF2B5EF4-FFF2-40B4-BE49-F238E27FC236}">
-                <a16:creationId xmlns:a16="http://schemas.microsoft.com/office/drawing/2014/main" id="{EC3530A3-0192-2B89-36E4-4C60437BBD79}"/>
-              </a:ext>
-            </a:extLst>
-          </p:cNvPr>
-          <p:cNvPicPr>
-            <a:picLocks noChangeAspect="1"/>
-          </p:cNvPicPr>
-          <p:nvPr/>
-        </p:nvPicPr>
-        <p:blipFill>
-          <a:blip r:embed="rId9">
-            <a:extLst>
-              <a:ext uri="{96DAC541-7B7A-43D3-8B79-37D633B846F1}">
-                <asvg:svgBlip xmlns:asvg="http://schemas.microsoft.com/office/drawing/2016/SVG/main" r:embed="rId10"/>
-              </a:ext>
-            </a:extLst>
-          </a:blip>
-          <a:srcRect/>
-          <a:stretch/>
-        </p:blipFill>
-        <p:spPr>
-          <a:xfrm>
-            <a:off x="849267" y="5387093"/>
-            <a:ext cx="385774" cy="385774"/>
+            <a:off x="2054431" y="1129809"/>
+            <a:ext cx="5301988" cy="5182739"/>
           </a:xfrm>
           <a:prstGeom prst="rect">
             <a:avLst/>
@@ -12947,13 +17217,209 @@
     </p:spTree>
     <p:extLst>
       <p:ext uri="{BB962C8B-B14F-4D97-AF65-F5344CB8AC3E}">
-        <p14:creationId xmlns:p14="http://schemas.microsoft.com/office/powerpoint/2010/main" val="3317635223"/>
+        <p14:creationId xmlns:p14="http://schemas.microsoft.com/office/powerpoint/2010/main" val="2800245590"/>
       </p:ext>
     </p:extLst>
   </p:cSld>
   <p:clrMapOvr>
     <a:masterClrMapping/>
   </p:clrMapOvr>
+  <p:timing>
+    <p:tnLst>
+      <p:par>
+        <p:cTn id="1" dur="indefinite" restart="never" nodeType="tmRoot">
+          <p:childTnLst>
+            <p:seq concurrent="1" nextAc="seek">
+              <p:cTn id="2" dur="indefinite" nodeType="mainSeq">
+                <p:childTnLst>
+                  <p:par>
+                    <p:cTn id="3" fill="hold">
+                      <p:stCondLst>
+                        <p:cond delay="indefinite"/>
+                      </p:stCondLst>
+                      <p:childTnLst>
+                        <p:par>
+                          <p:cTn id="4" fill="hold">
+                            <p:stCondLst>
+                              <p:cond delay="0"/>
+                            </p:stCondLst>
+                            <p:childTnLst>
+                              <p:par>
+                                <p:cTn id="5" presetID="1" presetClass="entr" presetSubtype="0" fill="hold" nodeType="clickEffect">
+                                  <p:stCondLst>
+                                    <p:cond delay="0"/>
+                                  </p:stCondLst>
+                                  <p:childTnLst>
+                                    <p:set>
+                                      <p:cBhvr>
+                                        <p:cTn id="6" dur="1" fill="hold">
+                                          <p:stCondLst>
+                                            <p:cond delay="0"/>
+                                          </p:stCondLst>
+                                        </p:cTn>
+                                        <p:tgtEl>
+                                          <p:spTgt spid="10"/>
+                                        </p:tgtEl>
+                                        <p:attrNameLst>
+                                          <p:attrName>style.visibility</p:attrName>
+                                        </p:attrNameLst>
+                                      </p:cBhvr>
+                                      <p:to>
+                                        <p:strVal val="visible"/>
+                                      </p:to>
+                                    </p:set>
+                                  </p:childTnLst>
+                                </p:cTn>
+                              </p:par>
+                            </p:childTnLst>
+                          </p:cTn>
+                        </p:par>
+                      </p:childTnLst>
+                    </p:cTn>
+                  </p:par>
+                  <p:par>
+                    <p:cTn id="7" fill="hold">
+                      <p:stCondLst>
+                        <p:cond delay="indefinite"/>
+                      </p:stCondLst>
+                      <p:childTnLst>
+                        <p:par>
+                          <p:cTn id="8" fill="hold">
+                            <p:stCondLst>
+                              <p:cond delay="0"/>
+                            </p:stCondLst>
+                            <p:childTnLst>
+                              <p:par>
+                                <p:cTn id="9" presetID="1" presetClass="entr" presetSubtype="0" fill="hold" grpId="0" nodeType="clickEffect">
+                                  <p:stCondLst>
+                                    <p:cond delay="0"/>
+                                  </p:stCondLst>
+                                  <p:childTnLst>
+                                    <p:set>
+                                      <p:cBhvr>
+                                        <p:cTn id="10" dur="1" fill="hold">
+                                          <p:stCondLst>
+                                            <p:cond delay="0"/>
+                                          </p:stCondLst>
+                                        </p:cTn>
+                                        <p:tgtEl>
+                                          <p:spTgt spid="5"/>
+                                        </p:tgtEl>
+                                        <p:attrNameLst>
+                                          <p:attrName>style.visibility</p:attrName>
+                                        </p:attrNameLst>
+                                      </p:cBhvr>
+                                      <p:to>
+                                        <p:strVal val="visible"/>
+                                      </p:to>
+                                    </p:set>
+                                  </p:childTnLst>
+                                </p:cTn>
+                              </p:par>
+                            </p:childTnLst>
+                          </p:cTn>
+                        </p:par>
+                      </p:childTnLst>
+                    </p:cTn>
+                  </p:par>
+                  <p:par>
+                    <p:cTn id="11" fill="hold">
+                      <p:stCondLst>
+                        <p:cond delay="indefinite"/>
+                      </p:stCondLst>
+                      <p:childTnLst>
+                        <p:par>
+                          <p:cTn id="12" fill="hold">
+                            <p:stCondLst>
+                              <p:cond delay="0"/>
+                            </p:stCondLst>
+                            <p:childTnLst>
+                              <p:par>
+                                <p:cTn id="13" presetID="1" presetClass="entr" presetSubtype="0" fill="hold" nodeType="clickEffect">
+                                  <p:stCondLst>
+                                    <p:cond delay="0"/>
+                                  </p:stCondLst>
+                                  <p:childTnLst>
+                                    <p:set>
+                                      <p:cBhvr>
+                                        <p:cTn id="14" dur="1" fill="hold">
+                                          <p:stCondLst>
+                                            <p:cond delay="0"/>
+                                          </p:stCondLst>
+                                        </p:cTn>
+                                        <p:tgtEl>
+                                          <p:spTgt spid="7"/>
+                                        </p:tgtEl>
+                                        <p:attrNameLst>
+                                          <p:attrName>style.visibility</p:attrName>
+                                        </p:attrNameLst>
+                                      </p:cBhvr>
+                                      <p:to>
+                                        <p:strVal val="visible"/>
+                                      </p:to>
+                                    </p:set>
+                                  </p:childTnLst>
+                                </p:cTn>
+                              </p:par>
+                              <p:par>
+                                <p:cTn id="15" presetID="1" presetClass="entr" presetSubtype="0" fill="hold" grpId="0" nodeType="withEffect">
+                                  <p:stCondLst>
+                                    <p:cond delay="0"/>
+                                  </p:stCondLst>
+                                  <p:childTnLst>
+                                    <p:set>
+                                      <p:cBhvr>
+                                        <p:cTn id="16" dur="1" fill="hold">
+                                          <p:stCondLst>
+                                            <p:cond delay="0"/>
+                                          </p:stCondLst>
+                                        </p:cTn>
+                                        <p:tgtEl>
+                                          <p:spTgt spid="8"/>
+                                        </p:tgtEl>
+                                        <p:attrNameLst>
+                                          <p:attrName>style.visibility</p:attrName>
+                                        </p:attrNameLst>
+                                      </p:cBhvr>
+                                      <p:to>
+                                        <p:strVal val="visible"/>
+                                      </p:to>
+                                    </p:set>
+                                  </p:childTnLst>
+                                </p:cTn>
+                              </p:par>
+                            </p:childTnLst>
+                          </p:cTn>
+                        </p:par>
+                      </p:childTnLst>
+                    </p:cTn>
+                  </p:par>
+                </p:childTnLst>
+              </p:cTn>
+              <p:prevCondLst>
+                <p:cond evt="onPrev" delay="0">
+                  <p:tgtEl>
+                    <p:sldTgt/>
+                  </p:tgtEl>
+                </p:cond>
+              </p:prevCondLst>
+              <p:nextCondLst>
+                <p:cond evt="onNext" delay="0">
+                  <p:tgtEl>
+                    <p:sldTgt/>
+                  </p:tgtEl>
+                </p:cond>
+              </p:nextCondLst>
+            </p:seq>
+          </p:childTnLst>
+        </p:cTn>
+      </p:par>
+    </p:tnLst>
+    <p:bldLst>
+      <p:bldP spid="5" grpId="0"/>
+      <p:bldP spid="8" grpId="0"/>
+    </p:bldLst>
+  </p:timing>
 </p:sld>
 </file>
 
